--- a/Projet L3 Informatique_powerpointPrésentation (paslefinaljustecontenu).pptx
+++ b/Projet L3 Informatique_powerpointPrésentation (paslefinaljustecontenu).pptx
@@ -8,13 +8,20 @@
     <p:sldId id="256" r:id="rId2"/>
     <p:sldId id="257" r:id="rId3"/>
     <p:sldId id="258" r:id="rId4"/>
-    <p:sldId id="259" r:id="rId5"/>
-    <p:sldId id="260" r:id="rId6"/>
-    <p:sldId id="261" r:id="rId7"/>
-    <p:sldId id="262" r:id="rId8"/>
-    <p:sldId id="264" r:id="rId9"/>
-    <p:sldId id="263" r:id="rId10"/>
-    <p:sldId id="265" r:id="rId11"/>
+    <p:sldId id="271" r:id="rId5"/>
+    <p:sldId id="272" r:id="rId6"/>
+    <p:sldId id="274" r:id="rId7"/>
+    <p:sldId id="264" r:id="rId8"/>
+    <p:sldId id="259" r:id="rId9"/>
+    <p:sldId id="260" r:id="rId10"/>
+    <p:sldId id="261" r:id="rId11"/>
+    <p:sldId id="266" r:id="rId12"/>
+    <p:sldId id="262" r:id="rId13"/>
+    <p:sldId id="267" r:id="rId14"/>
+    <p:sldId id="268" r:id="rId15"/>
+    <p:sldId id="269" r:id="rId16"/>
+    <p:sldId id="265" r:id="rId17"/>
+    <p:sldId id="270" r:id="rId18"/>
   </p:sldIdLst>
   <p:sldSz cx="12192000" cy="6858000"/>
   <p:notesSz cx="6858000" cy="9144000"/>
@@ -113,6 +120,11 @@
       </a:defRPr>
     </a:lvl9pPr>
   </p:defaultTextStyle>
+  <p:extLst>
+    <p:ext uri="{EFAFB233-063F-42B5-8137-9DF3F51BA10A}">
+      <p15:sldGuideLst xmlns:p15="http://schemas.microsoft.com/office/powerpoint/2012/main"/>
+    </p:ext>
+  </p:extLst>
 </p:presentation>
 </file>
 
@@ -263,7 +275,7 @@
           <a:p>
             <a:fld id="{A4EA808F-0072-4C59-8935-27236E6CECF7}" type="datetimeFigureOut">
               <a:rPr lang="fr-FR" smtClean="0"/>
-              <a:t>21/04/2021</a:t>
+              <a:t>30/04/2021</a:t>
             </a:fld>
             <a:endParaRPr lang="fr-FR"/>
           </a:p>
@@ -461,7 +473,7 @@
           <a:p>
             <a:fld id="{A4EA808F-0072-4C59-8935-27236E6CECF7}" type="datetimeFigureOut">
               <a:rPr lang="fr-FR" smtClean="0"/>
-              <a:t>21/04/2021</a:t>
+              <a:t>30/04/2021</a:t>
             </a:fld>
             <a:endParaRPr lang="fr-FR"/>
           </a:p>
@@ -669,7 +681,7 @@
           <a:p>
             <a:fld id="{A4EA808F-0072-4C59-8935-27236E6CECF7}" type="datetimeFigureOut">
               <a:rPr lang="fr-FR" smtClean="0"/>
-              <a:t>21/04/2021</a:t>
+              <a:t>30/04/2021</a:t>
             </a:fld>
             <a:endParaRPr lang="fr-FR"/>
           </a:p>
@@ -867,7 +879,7 @@
           <a:p>
             <a:fld id="{A4EA808F-0072-4C59-8935-27236E6CECF7}" type="datetimeFigureOut">
               <a:rPr lang="fr-FR" smtClean="0"/>
-              <a:t>21/04/2021</a:t>
+              <a:t>30/04/2021</a:t>
             </a:fld>
             <a:endParaRPr lang="fr-FR"/>
           </a:p>
@@ -1142,7 +1154,7 @@
           <a:p>
             <a:fld id="{A4EA808F-0072-4C59-8935-27236E6CECF7}" type="datetimeFigureOut">
               <a:rPr lang="fr-FR" smtClean="0"/>
-              <a:t>21/04/2021</a:t>
+              <a:t>30/04/2021</a:t>
             </a:fld>
             <a:endParaRPr lang="fr-FR"/>
           </a:p>
@@ -1407,7 +1419,7 @@
           <a:p>
             <a:fld id="{A4EA808F-0072-4C59-8935-27236E6CECF7}" type="datetimeFigureOut">
               <a:rPr lang="fr-FR" smtClean="0"/>
-              <a:t>21/04/2021</a:t>
+              <a:t>30/04/2021</a:t>
             </a:fld>
             <a:endParaRPr lang="fr-FR"/>
           </a:p>
@@ -1819,7 +1831,7 @@
           <a:p>
             <a:fld id="{A4EA808F-0072-4C59-8935-27236E6CECF7}" type="datetimeFigureOut">
               <a:rPr lang="fr-FR" smtClean="0"/>
-              <a:t>21/04/2021</a:t>
+              <a:t>30/04/2021</a:t>
             </a:fld>
             <a:endParaRPr lang="fr-FR"/>
           </a:p>
@@ -1960,7 +1972,7 @@
           <a:p>
             <a:fld id="{A4EA808F-0072-4C59-8935-27236E6CECF7}" type="datetimeFigureOut">
               <a:rPr lang="fr-FR" smtClean="0"/>
-              <a:t>21/04/2021</a:t>
+              <a:t>30/04/2021</a:t>
             </a:fld>
             <a:endParaRPr lang="fr-FR"/>
           </a:p>
@@ -2073,7 +2085,7 @@
           <a:p>
             <a:fld id="{A4EA808F-0072-4C59-8935-27236E6CECF7}" type="datetimeFigureOut">
               <a:rPr lang="fr-FR" smtClean="0"/>
-              <a:t>21/04/2021</a:t>
+              <a:t>30/04/2021</a:t>
             </a:fld>
             <a:endParaRPr lang="fr-FR"/>
           </a:p>
@@ -2384,7 +2396,7 @@
           <a:p>
             <a:fld id="{A4EA808F-0072-4C59-8935-27236E6CECF7}" type="datetimeFigureOut">
               <a:rPr lang="fr-FR" smtClean="0"/>
-              <a:t>21/04/2021</a:t>
+              <a:t>30/04/2021</a:t>
             </a:fld>
             <a:endParaRPr lang="fr-FR"/>
           </a:p>
@@ -2672,7 +2684,7 @@
           <a:p>
             <a:fld id="{A4EA808F-0072-4C59-8935-27236E6CECF7}" type="datetimeFigureOut">
               <a:rPr lang="fr-FR" smtClean="0"/>
-              <a:t>21/04/2021</a:t>
+              <a:t>30/04/2021</a:t>
             </a:fld>
             <a:endParaRPr lang="fr-FR"/>
           </a:p>
@@ -2913,7 +2925,7 @@
           <a:p>
             <a:fld id="{A4EA808F-0072-4C59-8935-27236E6CECF7}" type="datetimeFigureOut">
               <a:rPr lang="fr-FR" smtClean="0"/>
-              <a:t>21/04/2021</a:t>
+              <a:t>30/04/2021</a:t>
             </a:fld>
             <a:endParaRPr lang="fr-FR"/>
           </a:p>
@@ -3597,7 +3609,10 @@
             <a:r>
               <a:rPr lang="fr-FR" b="0" i="0" dirty="0">
                 <a:solidFill>
-                  <a:srgbClr val="333333"/>
+                  <a:schemeClr val="tx1">
+                    <a:lumMod val="95000"/>
+                    <a:lumOff val="5000"/>
+                  </a:schemeClr>
                 </a:solidFill>
                 <a:effectLst/>
               </a:rPr>
@@ -3612,7 +3627,10 @@
             <a:r>
               <a:rPr lang="fr-FR" b="0" i="0" dirty="0">
                 <a:solidFill>
-                  <a:srgbClr val="333333"/>
+                  <a:schemeClr val="tx1">
+                    <a:lumMod val="95000"/>
+                    <a:lumOff val="5000"/>
+                  </a:schemeClr>
                 </a:solidFill>
                 <a:effectLst/>
               </a:rPr>
@@ -3627,7 +3645,10 @@
             <a:r>
               <a:rPr lang="fr-FR" b="0" i="0" dirty="0">
                 <a:solidFill>
-                  <a:srgbClr val="333333"/>
+                  <a:schemeClr val="tx1">
+                    <a:lumMod val="95000"/>
+                    <a:lumOff val="5000"/>
+                  </a:schemeClr>
                 </a:solidFill>
                 <a:effectLst/>
               </a:rPr>
@@ -3642,7 +3663,10 @@
             <a:r>
               <a:rPr lang="fr-FR" b="0" i="0" dirty="0">
                 <a:solidFill>
-                  <a:srgbClr val="333333"/>
+                  <a:schemeClr val="tx1">
+                    <a:lumMod val="95000"/>
+                    <a:lumOff val="5000"/>
+                  </a:schemeClr>
                 </a:solidFill>
                 <a:effectLst/>
               </a:rPr>
@@ -3657,7 +3681,10 @@
             <a:r>
               <a:rPr lang="fr-FR" b="0" i="0" dirty="0">
                 <a:solidFill>
-                  <a:srgbClr val="333333"/>
+                  <a:schemeClr val="tx1">
+                    <a:lumMod val="95000"/>
+                    <a:lumOff val="5000"/>
+                  </a:schemeClr>
                 </a:solidFill>
                 <a:effectLst/>
               </a:rPr>
@@ -3672,13 +3699,23 @@
             <a:r>
               <a:rPr lang="fr-FR" b="0" i="0" dirty="0">
                 <a:solidFill>
-                  <a:srgbClr val="333333"/>
+                  <a:schemeClr val="tx1">
+                    <a:lumMod val="95000"/>
+                    <a:lumOff val="5000"/>
+                  </a:schemeClr>
                 </a:solidFill>
                 <a:effectLst/>
               </a:rPr>
               <a:t>Jonathan MARTIN-MAESTRE</a:t>
             </a:r>
-            <a:endParaRPr lang="fr-FR" dirty="0"/>
+            <a:endParaRPr lang="fr-FR" dirty="0">
+              <a:solidFill>
+                <a:schemeClr val="tx1">
+                  <a:lumMod val="95000"/>
+                  <a:lumOff val="5000"/>
+                </a:schemeClr>
+              </a:solidFill>
+            </a:endParaRPr>
           </a:p>
         </p:txBody>
       </p:sp>
@@ -3717,7 +3754,7 @@
           <p:cNvPr id="2" name="Titre 1">
             <a:extLst>
               <a:ext uri="{FF2B5EF4-FFF2-40B4-BE49-F238E27FC236}">
-                <a16:creationId xmlns:a16="http://schemas.microsoft.com/office/drawing/2014/main" id="{C7AAC5B3-8D45-4253-A8F1-B90A27BCB7A6}"/>
+                <a16:creationId xmlns:a16="http://schemas.microsoft.com/office/drawing/2014/main" id="{2541DAC3-95E3-4A46-9A8C-BF031CE6FE8D}"/>
               </a:ext>
             </a:extLst>
           </p:cNvPr>
@@ -3733,51 +3770,490 @@
           <a:bodyPr/>
           <a:lstStyle/>
           <a:p>
-            <a:endParaRPr lang="fr-FR"/>
+            <a:r>
+              <a:rPr lang="fr-FR" dirty="0"/>
+              <a:t>Liste d’objets animés | avec un squelette</a:t>
+            </a:r>
+          </a:p>
+        </p:txBody>
+      </p:sp>
+      <p:sp>
+        <p:nvSpPr>
+          <p:cNvPr id="3" name="Espace réservé du contenu 2">
+            <a:extLst>
+              <a:ext uri="{FF2B5EF4-FFF2-40B4-BE49-F238E27FC236}">
+                <a16:creationId xmlns:a16="http://schemas.microsoft.com/office/drawing/2014/main" id="{9851F452-3844-48D9-84CC-0678F4E6850E}"/>
+              </a:ext>
+            </a:extLst>
+          </p:cNvPr>
+          <p:cNvSpPr>
+            <a:spLocks noGrp="1"/>
+          </p:cNvSpPr>
+          <p:nvPr>
+            <p:ph idx="1"/>
+          </p:nvPr>
+        </p:nvSpPr>
+        <p:spPr>
+          <a:xfrm>
+            <a:off x="838200" y="1690688"/>
+            <a:ext cx="10515600" cy="4665663"/>
+          </a:xfrm>
+        </p:spPr>
+        <p:txBody>
+          <a:bodyPr>
+            <a:normAutofit fontScale="92500" lnSpcReduction="20000"/>
+          </a:bodyPr>
+          <a:lstStyle/>
+          <a:p>
+            <a:r>
+              <a:rPr lang="fr-FR" dirty="0"/>
+              <a:t>Lampe </a:t>
+            </a:r>
+            <a:r>
+              <a:rPr lang="fr-FR" dirty="0" err="1"/>
+              <a:t>Pixie</a:t>
+            </a:r>
+            <a:r>
+              <a:rPr lang="fr-FR" dirty="0"/>
+              <a:t> (+ squelette)</a:t>
+            </a:r>
+          </a:p>
+          <a:p>
+            <a:r>
+              <a:rPr lang="fr-FR" dirty="0"/>
+              <a:t>Réveil</a:t>
+            </a:r>
+          </a:p>
+          <a:p>
+            <a:r>
+              <a:rPr lang="fr-FR" dirty="0"/>
+              <a:t>Livre</a:t>
+            </a:r>
+          </a:p>
+          <a:p>
+            <a:r>
+              <a:rPr lang="fr-FR" dirty="0"/>
+              <a:t>Plante « succulente »</a:t>
+            </a:r>
+          </a:p>
+          <a:p>
+            <a:r>
+              <a:rPr lang="fr-FR" dirty="0"/>
+              <a:t>Chat (+ squelette)</a:t>
+            </a:r>
+          </a:p>
+          <a:p>
+            <a:r>
+              <a:rPr lang="fr-FR" dirty="0"/>
+              <a:t>Effet feu</a:t>
+            </a:r>
+          </a:p>
+          <a:p>
+            <a:r>
+              <a:rPr lang="fr-FR" dirty="0"/>
+              <a:t>Ours (+ squelette)</a:t>
+            </a:r>
+          </a:p>
+          <a:p>
+            <a:r>
+              <a:rPr lang="fr-FR" dirty="0"/>
+              <a:t>Verre à vin</a:t>
+            </a:r>
+          </a:p>
+          <a:p>
+            <a:r>
+              <a:rPr lang="fr-FR" dirty="0"/>
+              <a:t>Mug</a:t>
+            </a:r>
+          </a:p>
+          <a:p>
+            <a:r>
+              <a:rPr lang="fr-FR" dirty="0"/>
+              <a:t>Tabouret</a:t>
+            </a:r>
+          </a:p>
+          <a:p>
+            <a:r>
+              <a:rPr lang="fr-FR" dirty="0"/>
+              <a:t>Bougie</a:t>
+            </a:r>
+          </a:p>
+        </p:txBody>
+      </p:sp>
+    </p:spTree>
+    <p:extLst>
+      <p:ext uri="{BB962C8B-B14F-4D97-AF65-F5344CB8AC3E}">
+        <p14:creationId xmlns:p14="http://schemas.microsoft.com/office/powerpoint/2010/main" val="172205236"/>
+      </p:ext>
+    </p:extLst>
+  </p:cSld>
+  <p:clrMapOvr>
+    <a:masterClrMapping/>
+  </p:clrMapOvr>
+</p:sld>
+</file>
+
+<file path=ppt/slides/slide11.xml><?xml version="1.0" encoding="utf-8"?>
+<p:sld xmlns:a="http://schemas.openxmlformats.org/drawingml/2006/main" xmlns:r="http://schemas.openxmlformats.org/officeDocument/2006/relationships" xmlns:p="http://schemas.openxmlformats.org/presentationml/2006/main">
+  <p:cSld>
+    <p:spTree>
+      <p:nvGrpSpPr>
+        <p:cNvPr id="1" name=""/>
+        <p:cNvGrpSpPr/>
+        <p:nvPr/>
+      </p:nvGrpSpPr>
+      <p:grpSpPr>
+        <a:xfrm>
+          <a:off x="0" y="0"/>
+          <a:ext cx="0" cy="0"/>
+          <a:chOff x="0" y="0"/>
+          <a:chExt cx="0" cy="0"/>
+        </a:xfrm>
+      </p:grpSpPr>
+      <p:sp>
+        <p:nvSpPr>
+          <p:cNvPr id="2" name="Titre 1">
+            <a:extLst>
+              <a:ext uri="{FF2B5EF4-FFF2-40B4-BE49-F238E27FC236}">
+                <a16:creationId xmlns:a16="http://schemas.microsoft.com/office/drawing/2014/main" id="{299409FA-1955-4885-A060-D7724AF623B7}"/>
+              </a:ext>
+            </a:extLst>
+          </p:cNvPr>
+          <p:cNvSpPr>
+            <a:spLocks noGrp="1"/>
+          </p:cNvSpPr>
+          <p:nvPr>
+            <p:ph type="title"/>
+          </p:nvPr>
+        </p:nvSpPr>
+        <p:spPr/>
+        <p:txBody>
+          <a:bodyPr/>
+          <a:lstStyle/>
+          <a:p>
+            <a:r>
+              <a:rPr lang="fr-FR" dirty="0"/>
+              <a:t>Deux groupes : </a:t>
+            </a:r>
+          </a:p>
+        </p:txBody>
+      </p:sp>
+      <p:sp>
+        <p:nvSpPr>
+          <p:cNvPr id="3" name="Espace réservé du contenu 2">
+            <a:extLst>
+              <a:ext uri="{FF2B5EF4-FFF2-40B4-BE49-F238E27FC236}">
+                <a16:creationId xmlns:a16="http://schemas.microsoft.com/office/drawing/2014/main" id="{D093A69A-1614-461A-8BEC-8C7A8573CFC1}"/>
+              </a:ext>
+            </a:extLst>
+          </p:cNvPr>
+          <p:cNvSpPr>
+            <a:spLocks noGrp="1"/>
+          </p:cNvSpPr>
+          <p:nvPr>
+            <p:ph idx="1"/>
+          </p:nvPr>
+        </p:nvSpPr>
+        <p:spPr/>
+        <p:txBody>
+          <a:bodyPr/>
+          <a:lstStyle/>
+          <a:p>
+            <a:r>
+              <a:rPr lang="fr-FR" dirty="0"/>
+              <a:t>Modélisation &amp; Animation.</a:t>
+            </a:r>
+          </a:p>
+          <a:p>
+            <a:r>
+              <a:rPr lang="fr-FR" dirty="0"/>
+              <a:t>Montage entier de la vidéo + incruster toutes les animations et modélisation.</a:t>
+            </a:r>
+          </a:p>
+        </p:txBody>
+      </p:sp>
+    </p:spTree>
+    <p:extLst>
+      <p:ext uri="{BB962C8B-B14F-4D97-AF65-F5344CB8AC3E}">
+        <p14:creationId xmlns:p14="http://schemas.microsoft.com/office/powerpoint/2010/main" val="1819909992"/>
+      </p:ext>
+    </p:extLst>
+  </p:cSld>
+  <p:clrMapOvr>
+    <a:masterClrMapping/>
+  </p:clrMapOvr>
+</p:sld>
+</file>
+
+<file path=ppt/slides/slide12.xml><?xml version="1.0" encoding="utf-8"?>
+<p:sld xmlns:a="http://schemas.openxmlformats.org/drawingml/2006/main" xmlns:r="http://schemas.openxmlformats.org/officeDocument/2006/relationships" xmlns:p="http://schemas.openxmlformats.org/presentationml/2006/main">
+  <p:cSld>
+    <p:spTree>
+      <p:nvGrpSpPr>
+        <p:cNvPr id="1" name=""/>
+        <p:cNvGrpSpPr/>
+        <p:nvPr/>
+      </p:nvGrpSpPr>
+      <p:grpSpPr>
+        <a:xfrm>
+          <a:off x="0" y="0"/>
+          <a:ext cx="0" cy="0"/>
+          <a:chOff x="0" y="0"/>
+          <a:chExt cx="0" cy="0"/>
+        </a:xfrm>
+      </p:grpSpPr>
+      <p:sp>
+        <p:nvSpPr>
+          <p:cNvPr id="2" name="Titre 1">
+            <a:extLst>
+              <a:ext uri="{FF2B5EF4-FFF2-40B4-BE49-F238E27FC236}">
+                <a16:creationId xmlns:a16="http://schemas.microsoft.com/office/drawing/2014/main" id="{9241A865-6F78-499B-A8C6-581653842FF7}"/>
+              </a:ext>
+            </a:extLst>
+          </p:cNvPr>
+          <p:cNvSpPr>
+            <a:spLocks noGrp="1"/>
+          </p:cNvSpPr>
+          <p:nvPr>
+            <p:ph type="title"/>
+          </p:nvPr>
+        </p:nvSpPr>
+        <p:spPr>
+          <a:xfrm>
+            <a:off x="2439799" y="2671049"/>
+            <a:ext cx="7848600" cy="1325563"/>
+          </a:xfrm>
+        </p:spPr>
+        <p:txBody>
+          <a:bodyPr>
+            <a:normAutofit fontScale="90000"/>
+          </a:bodyPr>
+          <a:lstStyle/>
+          <a:p>
+            <a:r>
+              <a:rPr lang="fr-FR" dirty="0"/>
+              <a:t>Répartition du travail &amp; tenue d’un cahier des charges en commun</a:t>
+            </a:r>
+          </a:p>
+        </p:txBody>
+      </p:sp>
+    </p:spTree>
+    <p:extLst>
+      <p:ext uri="{BB962C8B-B14F-4D97-AF65-F5344CB8AC3E}">
+        <p14:creationId xmlns:p14="http://schemas.microsoft.com/office/powerpoint/2010/main" val="2697836391"/>
+      </p:ext>
+    </p:extLst>
+  </p:cSld>
+  <p:clrMapOvr>
+    <a:masterClrMapping/>
+  </p:clrMapOvr>
+</p:sld>
+</file>
+
+<file path=ppt/slides/slide13.xml><?xml version="1.0" encoding="utf-8"?>
+<p:sld xmlns:a="http://schemas.openxmlformats.org/drawingml/2006/main" xmlns:r="http://schemas.openxmlformats.org/officeDocument/2006/relationships" xmlns:p="http://schemas.openxmlformats.org/presentationml/2006/main">
+  <p:cSld>
+    <p:spTree>
+      <p:nvGrpSpPr>
+        <p:cNvPr id="1" name=""/>
+        <p:cNvGrpSpPr/>
+        <p:nvPr/>
+      </p:nvGrpSpPr>
+      <p:grpSpPr>
+        <a:xfrm>
+          <a:off x="0" y="0"/>
+          <a:ext cx="0" cy="0"/>
+          <a:chOff x="0" y="0"/>
+          <a:chExt cx="0" cy="0"/>
+        </a:xfrm>
+      </p:grpSpPr>
+      <p:sp>
+        <p:nvSpPr>
+          <p:cNvPr id="2" name="Titre 1">
+            <a:extLst>
+              <a:ext uri="{FF2B5EF4-FFF2-40B4-BE49-F238E27FC236}">
+                <a16:creationId xmlns:a16="http://schemas.microsoft.com/office/drawing/2014/main" id="{99149DB7-C591-404D-AC4C-4825B230264A}"/>
+              </a:ext>
+            </a:extLst>
+          </p:cNvPr>
+          <p:cNvSpPr>
+            <a:spLocks noGrp="1"/>
+          </p:cNvSpPr>
+          <p:nvPr>
+            <p:ph type="title"/>
+          </p:nvPr>
+        </p:nvSpPr>
+        <p:spPr>
+          <a:xfrm>
+            <a:off x="0" y="2439193"/>
+            <a:ext cx="3073400" cy="1325563"/>
+          </a:xfrm>
+        </p:spPr>
+        <p:txBody>
+          <a:bodyPr>
+            <a:normAutofit fontScale="90000"/>
+          </a:bodyPr>
+          <a:lstStyle/>
+          <a:p>
+            <a:r>
+              <a:rPr lang="fr-FR" dirty="0"/>
+              <a:t>Modélisation </a:t>
+            </a:r>
+            <a:br>
+              <a:rPr lang="fr-FR" dirty="0"/>
+            </a:br>
+            <a:r>
+              <a:rPr lang="fr-FR" dirty="0"/>
+              <a:t>&amp; Animation</a:t>
+            </a:r>
           </a:p>
         </p:txBody>
       </p:sp>
       <p:pic>
         <p:nvPicPr>
-          <p:cNvPr id="5" name="Espace réservé du contenu 4">
-            <a:extLst>
-              <a:ext uri="{FF2B5EF4-FFF2-40B4-BE49-F238E27FC236}">
-                <a16:creationId xmlns:a16="http://schemas.microsoft.com/office/drawing/2014/main" id="{96771929-4D68-46F9-91E6-075E9AFC95FD}"/>
+          <p:cNvPr id="5" name="Image 4">
+            <a:extLst>
+              <a:ext uri="{FF2B5EF4-FFF2-40B4-BE49-F238E27FC236}">
+                <a16:creationId xmlns:a16="http://schemas.microsoft.com/office/drawing/2014/main" id="{43F68909-E144-4E5A-85EB-717EA20523F2}"/>
               </a:ext>
             </a:extLst>
           </p:cNvPr>
           <p:cNvPicPr>
-            <a:picLocks noGrp="1" noChangeAspect="1"/>
+            <a:picLocks noChangeAspect="1"/>
           </p:cNvPicPr>
-          <p:nvPr>
-            <p:ph idx="1"/>
-          </p:nvPr>
+          <p:nvPr/>
         </p:nvPicPr>
         <p:blipFill>
-          <a:blip r:embed="rId2">
-            <a:extLst>
-              <a:ext uri="{28A0092B-C50C-407E-A947-70E740481C1C}">
-                <a14:useLocalDpi xmlns:a14="http://schemas.microsoft.com/office/drawing/2010/main" val="0"/>
-              </a:ext>
-            </a:extLst>
-          </a:blip>
+          <a:blip r:embed="rId2"/>
           <a:stretch>
             <a:fillRect/>
           </a:stretch>
         </p:blipFill>
         <p:spPr>
           <a:xfrm>
-            <a:off x="282233" y="2573901"/>
-            <a:ext cx="5475188" cy="3918974"/>
+            <a:off x="2923812" y="107950"/>
+            <a:ext cx="9166588" cy="6642100"/>
           </a:xfrm>
+          <a:prstGeom prst="rect">
+            <a:avLst/>
+          </a:prstGeom>
         </p:spPr>
       </p:pic>
+      <p:sp>
+        <p:nvSpPr>
+          <p:cNvPr id="8" name="Titre 1">
+            <a:extLst>
+              <a:ext uri="{FF2B5EF4-FFF2-40B4-BE49-F238E27FC236}">
+                <a16:creationId xmlns:a16="http://schemas.microsoft.com/office/drawing/2014/main" id="{AA13920D-B504-43F0-8907-A5276E2DF7CE}"/>
+              </a:ext>
+            </a:extLst>
+          </p:cNvPr>
+          <p:cNvSpPr txBox="1">
+            <a:spLocks/>
+          </p:cNvSpPr>
+          <p:nvPr/>
+        </p:nvSpPr>
+        <p:spPr>
+          <a:xfrm>
+            <a:off x="-149588" y="3931839"/>
+            <a:ext cx="3073400" cy="1325563"/>
+          </a:xfrm>
+          <a:prstGeom prst="rect">
+            <a:avLst/>
+          </a:prstGeom>
+        </p:spPr>
+        <p:txBody>
+          <a:bodyPr vert="horz" lIns="91440" tIns="45720" rIns="91440" bIns="45720" rtlCol="0" anchor="ctr">
+            <a:normAutofit fontScale="97500"/>
+          </a:bodyPr>
+          <a:lstStyle>
+            <a:lvl1pPr algn="l" defTabSz="914400" rtl="0" eaLnBrk="1" latinLnBrk="0" hangingPunct="1">
+              <a:lnSpc>
+                <a:spcPct val="90000"/>
+              </a:lnSpc>
+              <a:spcBef>
+                <a:spcPct val="0"/>
+              </a:spcBef>
+              <a:buNone/>
+              <a:defRPr sz="4400" kern="1200">
+                <a:solidFill>
+                  <a:schemeClr val="tx1"/>
+                </a:solidFill>
+                <a:latin typeface="+mj-lt"/>
+                <a:ea typeface="+mj-ea"/>
+                <a:cs typeface="+mj-cs"/>
+              </a:defRPr>
+            </a:lvl1pPr>
+          </a:lstStyle>
+          <a:p>
+            <a:endParaRPr lang="fr-FR" dirty="0"/>
+          </a:p>
+        </p:txBody>
+      </p:sp>
+    </p:spTree>
+    <p:extLst>
+      <p:ext uri="{BB962C8B-B14F-4D97-AF65-F5344CB8AC3E}">
+        <p14:creationId xmlns:p14="http://schemas.microsoft.com/office/powerpoint/2010/main" val="650926268"/>
+      </p:ext>
+    </p:extLst>
+  </p:cSld>
+  <p:clrMapOvr>
+    <a:masterClrMapping/>
+  </p:clrMapOvr>
+</p:sld>
+</file>
+
+<file path=ppt/slides/slide14.xml><?xml version="1.0" encoding="utf-8"?>
+<p:sld xmlns:a="http://schemas.openxmlformats.org/drawingml/2006/main" xmlns:r="http://schemas.openxmlformats.org/officeDocument/2006/relationships" xmlns:p="http://schemas.openxmlformats.org/presentationml/2006/main">
+  <p:cSld>
+    <p:spTree>
+      <p:nvGrpSpPr>
+        <p:cNvPr id="1" name=""/>
+        <p:cNvGrpSpPr/>
+        <p:nvPr/>
+      </p:nvGrpSpPr>
+      <p:grpSpPr>
+        <a:xfrm>
+          <a:off x="0" y="0"/>
+          <a:ext cx="0" cy="0"/>
+          <a:chOff x="0" y="0"/>
+          <a:chExt cx="0" cy="0"/>
+        </a:xfrm>
+      </p:grpSpPr>
+      <p:sp>
+        <p:nvSpPr>
+          <p:cNvPr id="2" name="Titre 1">
+            <a:extLst>
+              <a:ext uri="{FF2B5EF4-FFF2-40B4-BE49-F238E27FC236}">
+                <a16:creationId xmlns:a16="http://schemas.microsoft.com/office/drawing/2014/main" id="{99149DB7-C591-404D-AC4C-4825B230264A}"/>
+              </a:ext>
+            </a:extLst>
+          </p:cNvPr>
+          <p:cNvSpPr>
+            <a:spLocks noGrp="1"/>
+          </p:cNvSpPr>
+          <p:nvPr>
+            <p:ph type="title"/>
+          </p:nvPr>
+        </p:nvSpPr>
+        <p:spPr/>
+        <p:txBody>
+          <a:bodyPr/>
+          <a:lstStyle/>
+          <a:p>
+            <a:r>
+              <a:rPr lang="fr-FR" dirty="0"/>
+              <a:t>Montage vidéo + incruster </a:t>
+            </a:r>
+          </a:p>
+        </p:txBody>
+      </p:sp>
       <p:pic>
         <p:nvPicPr>
-          <p:cNvPr id="7" name="Image 6">
-            <a:extLst>
-              <a:ext uri="{FF2B5EF4-FFF2-40B4-BE49-F238E27FC236}">
-                <a16:creationId xmlns:a16="http://schemas.microsoft.com/office/drawing/2014/main" id="{2E6849A4-8815-40B6-996B-E7BCF0D78A6B}"/>
+          <p:cNvPr id="5" name="Image 4">
+            <a:extLst>
+              <a:ext uri="{FF2B5EF4-FFF2-40B4-BE49-F238E27FC236}">
+                <a16:creationId xmlns:a16="http://schemas.microsoft.com/office/drawing/2014/main" id="{AF4A44EC-7EF3-41DF-80BD-D84C393479C2}"/>
               </a:ext>
             </a:extLst>
           </p:cNvPr>
@@ -3787,93 +4263,15 @@
           <p:nvPr/>
         </p:nvPicPr>
         <p:blipFill>
-          <a:blip r:embed="rId3">
-            <a:extLst>
-              <a:ext uri="{28A0092B-C50C-407E-A947-70E740481C1C}">
-                <a14:useLocalDpi xmlns:a14="http://schemas.microsoft.com/office/drawing/2010/main" val="0"/>
-              </a:ext>
-            </a:extLst>
-          </a:blip>
+          <a:blip r:embed="rId2"/>
           <a:stretch>
             <a:fillRect/>
           </a:stretch>
         </p:blipFill>
         <p:spPr>
           <a:xfrm>
-            <a:off x="5274424" y="623496"/>
-            <a:ext cx="5475188" cy="3300804"/>
-          </a:xfrm>
-          <a:prstGeom prst="rect">
-            <a:avLst/>
-          </a:prstGeom>
-        </p:spPr>
-      </p:pic>
-      <p:pic>
-        <p:nvPicPr>
-          <p:cNvPr id="9" name="Image 8">
-            <a:extLst>
-              <a:ext uri="{FF2B5EF4-FFF2-40B4-BE49-F238E27FC236}">
-                <a16:creationId xmlns:a16="http://schemas.microsoft.com/office/drawing/2014/main" id="{453FD82D-3757-44AD-B96C-1E17F024E79C}"/>
-              </a:ext>
-            </a:extLst>
-          </p:cNvPr>
-          <p:cNvPicPr>
-            <a:picLocks noChangeAspect="1"/>
-          </p:cNvPicPr>
-          <p:nvPr/>
-        </p:nvPicPr>
-        <p:blipFill>
-          <a:blip r:embed="rId4">
-            <a:extLst>
-              <a:ext uri="{28A0092B-C50C-407E-A947-70E740481C1C}">
-                <a14:useLocalDpi xmlns:a14="http://schemas.microsoft.com/office/drawing/2010/main" val="0"/>
-              </a:ext>
-            </a:extLst>
-          </a:blip>
-          <a:stretch>
-            <a:fillRect/>
-          </a:stretch>
-        </p:blipFill>
-        <p:spPr>
-          <a:xfrm>
-            <a:off x="5098138" y="2724944"/>
-            <a:ext cx="6092619" cy="3767931"/>
-          </a:xfrm>
-          <a:prstGeom prst="rect">
-            <a:avLst/>
-          </a:prstGeom>
-        </p:spPr>
-      </p:pic>
-      <p:pic>
-        <p:nvPicPr>
-          <p:cNvPr id="11" name="Image 10">
-            <a:extLst>
-              <a:ext uri="{FF2B5EF4-FFF2-40B4-BE49-F238E27FC236}">
-                <a16:creationId xmlns:a16="http://schemas.microsoft.com/office/drawing/2014/main" id="{AD82BC91-F631-4F6D-864B-548D2D3D358A}"/>
-              </a:ext>
-            </a:extLst>
-          </p:cNvPr>
-          <p:cNvPicPr>
-            <a:picLocks noChangeAspect="1"/>
-          </p:cNvPicPr>
-          <p:nvPr/>
-        </p:nvPicPr>
-        <p:blipFill>
-          <a:blip r:embed="rId5">
-            <a:extLst>
-              <a:ext uri="{28A0092B-C50C-407E-A947-70E740481C1C}">
-                <a14:useLocalDpi xmlns:a14="http://schemas.microsoft.com/office/drawing/2010/main" val="0"/>
-              </a:ext>
-            </a:extLst>
-          </a:blip>
-          <a:stretch>
-            <a:fillRect/>
-          </a:stretch>
-        </p:blipFill>
-        <p:spPr>
-          <a:xfrm>
-            <a:off x="627701" y="1178950"/>
-            <a:ext cx="6230219" cy="4029637"/>
+            <a:off x="2527300" y="1890930"/>
+            <a:ext cx="6746875" cy="3566896"/>
           </a:xfrm>
           <a:prstGeom prst="rect">
             <a:avLst/>
@@ -3883,7 +4281,524 @@
     </p:spTree>
     <p:extLst>
       <p:ext uri="{BB962C8B-B14F-4D97-AF65-F5344CB8AC3E}">
+        <p14:creationId xmlns:p14="http://schemas.microsoft.com/office/powerpoint/2010/main" val="3576696752"/>
+      </p:ext>
+    </p:extLst>
+  </p:cSld>
+  <p:clrMapOvr>
+    <a:masterClrMapping/>
+  </p:clrMapOvr>
+</p:sld>
+</file>
+
+<file path=ppt/slides/slide15.xml><?xml version="1.0" encoding="utf-8"?>
+<p:sld xmlns:a="http://schemas.openxmlformats.org/drawingml/2006/main" xmlns:r="http://schemas.openxmlformats.org/officeDocument/2006/relationships" xmlns:p="http://schemas.openxmlformats.org/presentationml/2006/main">
+  <p:cSld>
+    <p:spTree>
+      <p:nvGrpSpPr>
+        <p:cNvPr id="1" name=""/>
+        <p:cNvGrpSpPr/>
+        <p:nvPr/>
+      </p:nvGrpSpPr>
+      <p:grpSpPr>
+        <a:xfrm>
+          <a:off x="0" y="0"/>
+          <a:ext cx="0" cy="0"/>
+          <a:chOff x="0" y="0"/>
+          <a:chExt cx="0" cy="0"/>
+        </a:xfrm>
+      </p:grpSpPr>
+      <p:sp>
+        <p:nvSpPr>
+          <p:cNvPr id="2" name="Titre 1">
+            <a:extLst>
+              <a:ext uri="{FF2B5EF4-FFF2-40B4-BE49-F238E27FC236}">
+                <a16:creationId xmlns:a16="http://schemas.microsoft.com/office/drawing/2014/main" id="{13A5139F-8F0C-424D-B272-D0AD186C9422}"/>
+              </a:ext>
+            </a:extLst>
+          </p:cNvPr>
+          <p:cNvSpPr>
+            <a:spLocks noGrp="1"/>
+          </p:cNvSpPr>
+          <p:nvPr>
+            <p:ph type="title"/>
+          </p:nvPr>
+        </p:nvSpPr>
+        <p:spPr>
+          <a:xfrm>
+            <a:off x="3695700" y="2766218"/>
+            <a:ext cx="10515600" cy="1325563"/>
+          </a:xfrm>
+        </p:spPr>
+        <p:txBody>
+          <a:bodyPr/>
+          <a:lstStyle/>
+          <a:p>
+            <a:r>
+              <a:rPr lang="fr-FR" dirty="0"/>
+              <a:t>Les modélisations</a:t>
+            </a:r>
+          </a:p>
+        </p:txBody>
+      </p:sp>
+    </p:spTree>
+    <p:extLst>
+      <p:ext uri="{BB962C8B-B14F-4D97-AF65-F5344CB8AC3E}">
+        <p14:creationId xmlns:p14="http://schemas.microsoft.com/office/powerpoint/2010/main" val="1220395239"/>
+      </p:ext>
+    </p:extLst>
+  </p:cSld>
+  <p:clrMapOvr>
+    <a:masterClrMapping/>
+  </p:clrMapOvr>
+</p:sld>
+</file>
+
+<file path=ppt/slides/slide16.xml><?xml version="1.0" encoding="utf-8"?>
+<p:sld xmlns:a="http://schemas.openxmlformats.org/drawingml/2006/main" xmlns:r="http://schemas.openxmlformats.org/officeDocument/2006/relationships" xmlns:p="http://schemas.openxmlformats.org/presentationml/2006/main">
+  <p:cSld>
+    <p:spTree>
+      <p:nvGrpSpPr>
+        <p:cNvPr id="1" name=""/>
+        <p:cNvGrpSpPr/>
+        <p:nvPr/>
+      </p:nvGrpSpPr>
+      <p:grpSpPr>
+        <a:xfrm>
+          <a:off x="0" y="0"/>
+          <a:ext cx="0" cy="0"/>
+          <a:chOff x="0" y="0"/>
+          <a:chExt cx="0" cy="0"/>
+        </a:xfrm>
+      </p:grpSpPr>
+      <p:sp>
+        <p:nvSpPr>
+          <p:cNvPr id="2" name="Titre 1">
+            <a:extLst>
+              <a:ext uri="{FF2B5EF4-FFF2-40B4-BE49-F238E27FC236}">
+                <a16:creationId xmlns:a16="http://schemas.microsoft.com/office/drawing/2014/main" id="{C7AAC5B3-8D45-4253-A8F1-B90A27BCB7A6}"/>
+              </a:ext>
+            </a:extLst>
+          </p:cNvPr>
+          <p:cNvSpPr>
+            <a:spLocks noGrp="1"/>
+          </p:cNvSpPr>
+          <p:nvPr>
+            <p:ph type="title"/>
+          </p:nvPr>
+        </p:nvSpPr>
+        <p:spPr/>
+        <p:txBody>
+          <a:bodyPr/>
+          <a:lstStyle/>
+          <a:p>
+            <a:r>
+              <a:rPr lang="fr-FR" dirty="0"/>
+              <a:t>Le chat</a:t>
+            </a:r>
+          </a:p>
+        </p:txBody>
+      </p:sp>
+      <p:pic>
+        <p:nvPicPr>
+          <p:cNvPr id="5" name="Espace réservé du contenu 4">
+            <a:extLst>
+              <a:ext uri="{FF2B5EF4-FFF2-40B4-BE49-F238E27FC236}">
+                <a16:creationId xmlns:a16="http://schemas.microsoft.com/office/drawing/2014/main" id="{96771929-4D68-46F9-91E6-075E9AFC95FD}"/>
+              </a:ext>
+            </a:extLst>
+          </p:cNvPr>
+          <p:cNvPicPr>
+            <a:picLocks noGrp="1" noChangeAspect="1"/>
+          </p:cNvPicPr>
+          <p:nvPr>
+            <p:ph idx="1"/>
+          </p:nvPr>
+        </p:nvPicPr>
+        <p:blipFill>
+          <a:blip r:embed="rId2">
+            <a:extLst>
+              <a:ext uri="{28A0092B-C50C-407E-A947-70E740481C1C}">
+                <a14:useLocalDpi xmlns:a14="http://schemas.microsoft.com/office/drawing/2010/main" val="0"/>
+              </a:ext>
+            </a:extLst>
+          </a:blip>
+          <a:stretch>
+            <a:fillRect/>
+          </a:stretch>
+        </p:blipFill>
+        <p:spPr>
+          <a:xfrm>
+            <a:off x="8186988" y="3777228"/>
+            <a:ext cx="3585912" cy="2566688"/>
+          </a:xfrm>
+        </p:spPr>
+      </p:pic>
+      <p:pic>
+        <p:nvPicPr>
+          <p:cNvPr id="7" name="Image 6">
+            <a:extLst>
+              <a:ext uri="{FF2B5EF4-FFF2-40B4-BE49-F238E27FC236}">
+                <a16:creationId xmlns:a16="http://schemas.microsoft.com/office/drawing/2014/main" id="{2E6849A4-8815-40B6-996B-E7BCF0D78A6B}"/>
+              </a:ext>
+            </a:extLst>
+          </p:cNvPr>
+          <p:cNvPicPr>
+            <a:picLocks noChangeAspect="1"/>
+          </p:cNvPicPr>
+          <p:nvPr/>
+        </p:nvPicPr>
+        <p:blipFill>
+          <a:blip r:embed="rId3">
+            <a:extLst>
+              <a:ext uri="{28A0092B-C50C-407E-A947-70E740481C1C}">
+                <a14:useLocalDpi xmlns:a14="http://schemas.microsoft.com/office/drawing/2010/main" val="0"/>
+              </a:ext>
+            </a:extLst>
+          </a:blip>
+          <a:stretch>
+            <a:fillRect/>
+          </a:stretch>
+        </p:blipFill>
+        <p:spPr>
+          <a:xfrm>
+            <a:off x="4303043" y="4182091"/>
+            <a:ext cx="3585914" cy="2161825"/>
+          </a:xfrm>
+          <a:prstGeom prst="rect">
+            <a:avLst/>
+          </a:prstGeom>
+        </p:spPr>
+      </p:pic>
+      <p:pic>
+        <p:nvPicPr>
+          <p:cNvPr id="4" name="Image 3">
+            <a:extLst>
+              <a:ext uri="{FF2B5EF4-FFF2-40B4-BE49-F238E27FC236}">
+                <a16:creationId xmlns:a16="http://schemas.microsoft.com/office/drawing/2014/main" id="{60E64343-7929-4D9D-B7A7-3B806B8CE068}"/>
+              </a:ext>
+            </a:extLst>
+          </p:cNvPr>
+          <p:cNvPicPr>
+            <a:picLocks noChangeAspect="1"/>
+          </p:cNvPicPr>
+          <p:nvPr/>
+        </p:nvPicPr>
+        <p:blipFill>
+          <a:blip r:embed="rId4"/>
+          <a:stretch>
+            <a:fillRect/>
+          </a:stretch>
+        </p:blipFill>
+        <p:spPr>
+          <a:xfrm>
+            <a:off x="7734300" y="694793"/>
+            <a:ext cx="4038600" cy="2734207"/>
+          </a:xfrm>
+          <a:prstGeom prst="rect">
+            <a:avLst/>
+          </a:prstGeom>
+        </p:spPr>
+      </p:pic>
+      <p:sp>
+        <p:nvSpPr>
+          <p:cNvPr id="10" name="Espace réservé du contenu 2">
+            <a:extLst>
+              <a:ext uri="{FF2B5EF4-FFF2-40B4-BE49-F238E27FC236}">
+                <a16:creationId xmlns:a16="http://schemas.microsoft.com/office/drawing/2014/main" id="{78B3F1E3-20D9-4172-A625-E46464B691D5}"/>
+              </a:ext>
+            </a:extLst>
+          </p:cNvPr>
+          <p:cNvSpPr txBox="1">
+            <a:spLocks/>
+          </p:cNvSpPr>
+          <p:nvPr/>
+        </p:nvSpPr>
+        <p:spPr>
+          <a:xfrm>
+            <a:off x="838200" y="1825625"/>
+            <a:ext cx="6705600" cy="4351338"/>
+          </a:xfrm>
+          <a:prstGeom prst="rect">
+            <a:avLst/>
+          </a:prstGeom>
+        </p:spPr>
+        <p:txBody>
+          <a:bodyPr vert="horz" lIns="91440" tIns="45720" rIns="91440" bIns="45720" rtlCol="0">
+            <a:normAutofit/>
+          </a:bodyPr>
+          <a:lstStyle>
+            <a:lvl1pPr marL="228600" indent="-228600" algn="l" defTabSz="914400" rtl="0" eaLnBrk="1" latinLnBrk="0" hangingPunct="1">
+              <a:lnSpc>
+                <a:spcPct val="90000"/>
+              </a:lnSpc>
+              <a:spcBef>
+                <a:spcPts val="1000"/>
+              </a:spcBef>
+              <a:buFont typeface="Arial" panose="020B0604020202020204" pitchFamily="34" charset="0"/>
+              <a:buChar char="•"/>
+              <a:defRPr sz="2800" kern="1200">
+                <a:solidFill>
+                  <a:schemeClr val="tx1"/>
+                </a:solidFill>
+                <a:latin typeface="+mn-lt"/>
+                <a:ea typeface="+mn-ea"/>
+                <a:cs typeface="+mn-cs"/>
+              </a:defRPr>
+            </a:lvl1pPr>
+            <a:lvl2pPr marL="685800" indent="-228600" algn="l" defTabSz="914400" rtl="0" eaLnBrk="1" latinLnBrk="0" hangingPunct="1">
+              <a:lnSpc>
+                <a:spcPct val="90000"/>
+              </a:lnSpc>
+              <a:spcBef>
+                <a:spcPts val="500"/>
+              </a:spcBef>
+              <a:buFont typeface="Arial" panose="020B0604020202020204" pitchFamily="34" charset="0"/>
+              <a:buChar char="•"/>
+              <a:defRPr sz="2400" kern="1200">
+                <a:solidFill>
+                  <a:schemeClr val="tx1"/>
+                </a:solidFill>
+                <a:latin typeface="+mn-lt"/>
+                <a:ea typeface="+mn-ea"/>
+                <a:cs typeface="+mn-cs"/>
+              </a:defRPr>
+            </a:lvl2pPr>
+            <a:lvl3pPr marL="1143000" indent="-228600" algn="l" defTabSz="914400" rtl="0" eaLnBrk="1" latinLnBrk="0" hangingPunct="1">
+              <a:lnSpc>
+                <a:spcPct val="90000"/>
+              </a:lnSpc>
+              <a:spcBef>
+                <a:spcPts val="500"/>
+              </a:spcBef>
+              <a:buFont typeface="Arial" panose="020B0604020202020204" pitchFamily="34" charset="0"/>
+              <a:buChar char="•"/>
+              <a:defRPr sz="2000" kern="1200">
+                <a:solidFill>
+                  <a:schemeClr val="tx1"/>
+                </a:solidFill>
+                <a:latin typeface="+mn-lt"/>
+                <a:ea typeface="+mn-ea"/>
+                <a:cs typeface="+mn-cs"/>
+              </a:defRPr>
+            </a:lvl3pPr>
+            <a:lvl4pPr marL="1600200" indent="-228600" algn="l" defTabSz="914400" rtl="0" eaLnBrk="1" latinLnBrk="0" hangingPunct="1">
+              <a:lnSpc>
+                <a:spcPct val="90000"/>
+              </a:lnSpc>
+              <a:spcBef>
+                <a:spcPts val="500"/>
+              </a:spcBef>
+              <a:buFont typeface="Arial" panose="020B0604020202020204" pitchFamily="34" charset="0"/>
+              <a:buChar char="•"/>
+              <a:defRPr sz="1800" kern="1200">
+                <a:solidFill>
+                  <a:schemeClr val="tx1"/>
+                </a:solidFill>
+                <a:latin typeface="+mn-lt"/>
+                <a:ea typeface="+mn-ea"/>
+                <a:cs typeface="+mn-cs"/>
+              </a:defRPr>
+            </a:lvl4pPr>
+            <a:lvl5pPr marL="2057400" indent="-228600" algn="l" defTabSz="914400" rtl="0" eaLnBrk="1" latinLnBrk="0" hangingPunct="1">
+              <a:lnSpc>
+                <a:spcPct val="90000"/>
+              </a:lnSpc>
+              <a:spcBef>
+                <a:spcPts val="500"/>
+              </a:spcBef>
+              <a:buFont typeface="Arial" panose="020B0604020202020204" pitchFamily="34" charset="0"/>
+              <a:buChar char="•"/>
+              <a:defRPr sz="1800" kern="1200">
+                <a:solidFill>
+                  <a:schemeClr val="tx1"/>
+                </a:solidFill>
+                <a:latin typeface="+mn-lt"/>
+                <a:ea typeface="+mn-ea"/>
+                <a:cs typeface="+mn-cs"/>
+              </a:defRPr>
+            </a:lvl5pPr>
+            <a:lvl6pPr marL="2514600" indent="-228600" algn="l" defTabSz="914400" rtl="0" eaLnBrk="1" latinLnBrk="0" hangingPunct="1">
+              <a:lnSpc>
+                <a:spcPct val="90000"/>
+              </a:lnSpc>
+              <a:spcBef>
+                <a:spcPts val="500"/>
+              </a:spcBef>
+              <a:buFont typeface="Arial" panose="020B0604020202020204" pitchFamily="34" charset="0"/>
+              <a:buChar char="•"/>
+              <a:defRPr sz="1800" kern="1200">
+                <a:solidFill>
+                  <a:schemeClr val="tx1"/>
+                </a:solidFill>
+                <a:latin typeface="+mn-lt"/>
+                <a:ea typeface="+mn-ea"/>
+                <a:cs typeface="+mn-cs"/>
+              </a:defRPr>
+            </a:lvl6pPr>
+            <a:lvl7pPr marL="2971800" indent="-228600" algn="l" defTabSz="914400" rtl="0" eaLnBrk="1" latinLnBrk="0" hangingPunct="1">
+              <a:lnSpc>
+                <a:spcPct val="90000"/>
+              </a:lnSpc>
+              <a:spcBef>
+                <a:spcPts val="500"/>
+              </a:spcBef>
+              <a:buFont typeface="Arial" panose="020B0604020202020204" pitchFamily="34" charset="0"/>
+              <a:buChar char="•"/>
+              <a:defRPr sz="1800" kern="1200">
+                <a:solidFill>
+                  <a:schemeClr val="tx1"/>
+                </a:solidFill>
+                <a:latin typeface="+mn-lt"/>
+                <a:ea typeface="+mn-ea"/>
+                <a:cs typeface="+mn-cs"/>
+              </a:defRPr>
+            </a:lvl7pPr>
+            <a:lvl8pPr marL="3429000" indent="-228600" algn="l" defTabSz="914400" rtl="0" eaLnBrk="1" latinLnBrk="0" hangingPunct="1">
+              <a:lnSpc>
+                <a:spcPct val="90000"/>
+              </a:lnSpc>
+              <a:spcBef>
+                <a:spcPts val="500"/>
+              </a:spcBef>
+              <a:buFont typeface="Arial" panose="020B0604020202020204" pitchFamily="34" charset="0"/>
+              <a:buChar char="•"/>
+              <a:defRPr sz="1800" kern="1200">
+                <a:solidFill>
+                  <a:schemeClr val="tx1"/>
+                </a:solidFill>
+                <a:latin typeface="+mn-lt"/>
+                <a:ea typeface="+mn-ea"/>
+                <a:cs typeface="+mn-cs"/>
+              </a:defRPr>
+            </a:lvl8pPr>
+            <a:lvl9pPr marL="3886200" indent="-228600" algn="l" defTabSz="914400" rtl="0" eaLnBrk="1" latinLnBrk="0" hangingPunct="1">
+              <a:lnSpc>
+                <a:spcPct val="90000"/>
+              </a:lnSpc>
+              <a:spcBef>
+                <a:spcPts val="500"/>
+              </a:spcBef>
+              <a:buFont typeface="Arial" panose="020B0604020202020204" pitchFamily="34" charset="0"/>
+              <a:buChar char="•"/>
+              <a:defRPr sz="1800" kern="1200">
+                <a:solidFill>
+                  <a:schemeClr val="tx1"/>
+                </a:solidFill>
+                <a:latin typeface="+mn-lt"/>
+                <a:ea typeface="+mn-ea"/>
+                <a:cs typeface="+mn-cs"/>
+              </a:defRPr>
+            </a:lvl9pPr>
+          </a:lstStyle>
+          <a:p>
+            <a:pPr marL="0" indent="0">
+              <a:buNone/>
+            </a:pPr>
+            <a:r>
+              <a:rPr lang="fr-FR" dirty="0"/>
+              <a:t>Base : un carré.</a:t>
+            </a:r>
+          </a:p>
+          <a:p>
+            <a:pPr marL="0" indent="0">
+              <a:buNone/>
+            </a:pPr>
+            <a:r>
+              <a:rPr lang="fr-FR" dirty="0"/>
+              <a:t>Extrusion et positionnement points par points, en miroir pour créer la silhouette du chat.</a:t>
+            </a:r>
+          </a:p>
+        </p:txBody>
+      </p:sp>
+    </p:spTree>
+    <p:extLst>
+      <p:ext uri="{BB962C8B-B14F-4D97-AF65-F5344CB8AC3E}">
         <p14:creationId xmlns:p14="http://schemas.microsoft.com/office/powerpoint/2010/main" val="3649127488"/>
+      </p:ext>
+    </p:extLst>
+  </p:cSld>
+  <p:clrMapOvr>
+    <a:masterClrMapping/>
+  </p:clrMapOvr>
+</p:sld>
+</file>
+
+<file path=ppt/slides/slide17.xml><?xml version="1.0" encoding="utf-8"?>
+<p:sld xmlns:a="http://schemas.openxmlformats.org/drawingml/2006/main" xmlns:r="http://schemas.openxmlformats.org/officeDocument/2006/relationships" xmlns:p="http://schemas.openxmlformats.org/presentationml/2006/main">
+  <p:cSld>
+    <p:spTree>
+      <p:nvGrpSpPr>
+        <p:cNvPr id="1" name=""/>
+        <p:cNvGrpSpPr/>
+        <p:nvPr/>
+      </p:nvGrpSpPr>
+      <p:grpSpPr>
+        <a:xfrm>
+          <a:off x="0" y="0"/>
+          <a:ext cx="0" cy="0"/>
+          <a:chOff x="0" y="0"/>
+          <a:chExt cx="0" cy="0"/>
+        </a:xfrm>
+      </p:grpSpPr>
+      <p:sp>
+        <p:nvSpPr>
+          <p:cNvPr id="2" name="Titre 1">
+            <a:extLst>
+              <a:ext uri="{FF2B5EF4-FFF2-40B4-BE49-F238E27FC236}">
+                <a16:creationId xmlns:a16="http://schemas.microsoft.com/office/drawing/2014/main" id="{C324AEF1-0529-45D3-83C6-C280593A01CB}"/>
+              </a:ext>
+            </a:extLst>
+          </p:cNvPr>
+          <p:cNvSpPr>
+            <a:spLocks noGrp="1"/>
+          </p:cNvSpPr>
+          <p:nvPr>
+            <p:ph type="title"/>
+          </p:nvPr>
+        </p:nvSpPr>
+        <p:spPr/>
+        <p:txBody>
+          <a:bodyPr/>
+          <a:lstStyle/>
+          <a:p>
+            <a:r>
+              <a:rPr lang="fr-FR" dirty="0" err="1"/>
+              <a:t>Pixie</a:t>
+            </a:r>
+            <a:endParaRPr lang="fr-FR" dirty="0"/>
+          </a:p>
+        </p:txBody>
+      </p:sp>
+      <p:sp>
+        <p:nvSpPr>
+          <p:cNvPr id="3" name="Espace réservé du contenu 2">
+            <a:extLst>
+              <a:ext uri="{FF2B5EF4-FFF2-40B4-BE49-F238E27FC236}">
+                <a16:creationId xmlns:a16="http://schemas.microsoft.com/office/drawing/2014/main" id="{941599B4-E557-4ABF-84F6-0415D0C05725}"/>
+              </a:ext>
+            </a:extLst>
+          </p:cNvPr>
+          <p:cNvSpPr>
+            <a:spLocks noGrp="1"/>
+          </p:cNvSpPr>
+          <p:nvPr>
+            <p:ph idx="1"/>
+          </p:nvPr>
+        </p:nvSpPr>
+        <p:spPr/>
+        <p:txBody>
+          <a:bodyPr/>
+          <a:lstStyle/>
+          <a:p>
+            <a:endParaRPr lang="fr-FR" dirty="0"/>
+          </a:p>
+        </p:txBody>
+      </p:sp>
+    </p:spTree>
+    <p:extLst>
+      <p:ext uri="{BB962C8B-B14F-4D97-AF65-F5344CB8AC3E}">
+        <p14:creationId xmlns:p14="http://schemas.microsoft.com/office/powerpoint/2010/main" val="4198580582"/>
       </p:ext>
     </p:extLst>
   </p:cSld>
@@ -4157,7 +5072,7 @@
           <p:cNvPr id="2" name="Titre 1">
             <a:extLst>
               <a:ext uri="{FF2B5EF4-FFF2-40B4-BE49-F238E27FC236}">
-                <a16:creationId xmlns:a16="http://schemas.microsoft.com/office/drawing/2014/main" id="{28EC857E-67A9-4573-A323-143FA8C5CC7B}"/>
+                <a16:creationId xmlns:a16="http://schemas.microsoft.com/office/drawing/2014/main" id="{D7F39FC5-5AF4-47FB-8984-923E322DC811}"/>
               </a:ext>
             </a:extLst>
           </p:cNvPr>
@@ -4170,8 +5085,8 @@
         </p:nvSpPr>
         <p:spPr>
           <a:xfrm>
-            <a:off x="2184400" y="2447925"/>
-            <a:ext cx="9169400" cy="1325563"/>
+            <a:off x="3340100" y="2766218"/>
+            <a:ext cx="10515600" cy="1325563"/>
           </a:xfrm>
         </p:spPr>
         <p:txBody>
@@ -4180,7 +5095,7 @@
           <a:p>
             <a:r>
               <a:rPr lang="fr-FR" dirty="0"/>
-              <a:t>Modélisation et animation des objets</a:t>
+              <a:t>I/ Contraintes techniques</a:t>
             </a:r>
           </a:p>
         </p:txBody>
@@ -4188,7 +5103,7 @@
     </p:spTree>
     <p:extLst>
       <p:ext uri="{BB962C8B-B14F-4D97-AF65-F5344CB8AC3E}">
-        <p14:creationId xmlns:p14="http://schemas.microsoft.com/office/powerpoint/2010/main" val="2673823022"/>
+        <p14:creationId xmlns:p14="http://schemas.microsoft.com/office/powerpoint/2010/main" val="248088944"/>
       </p:ext>
     </p:extLst>
   </p:cSld>
@@ -4217,38 +5132,10 @@
       </p:grpSpPr>
       <p:sp>
         <p:nvSpPr>
-          <p:cNvPr id="2" name="Titre 1">
-            <a:extLst>
-              <a:ext uri="{FF2B5EF4-FFF2-40B4-BE49-F238E27FC236}">
-                <a16:creationId xmlns:a16="http://schemas.microsoft.com/office/drawing/2014/main" id="{2541DAC3-95E3-4A46-9A8C-BF031CE6FE8D}"/>
-              </a:ext>
-            </a:extLst>
-          </p:cNvPr>
-          <p:cNvSpPr>
-            <a:spLocks noGrp="1"/>
-          </p:cNvSpPr>
-          <p:nvPr>
-            <p:ph type="title"/>
-          </p:nvPr>
-        </p:nvSpPr>
-        <p:spPr/>
-        <p:txBody>
-          <a:bodyPr/>
-          <a:lstStyle/>
-          <a:p>
-            <a:r>
-              <a:rPr lang="fr-FR" dirty="0"/>
-              <a:t>Liste d’objets modélisés </a:t>
-            </a:r>
-          </a:p>
-        </p:txBody>
-      </p:sp>
-      <p:sp>
-        <p:nvSpPr>
           <p:cNvPr id="3" name="Espace réservé du contenu 2">
             <a:extLst>
               <a:ext uri="{FF2B5EF4-FFF2-40B4-BE49-F238E27FC236}">
-                <a16:creationId xmlns:a16="http://schemas.microsoft.com/office/drawing/2014/main" id="{9851F452-3844-48D9-84CC-0678F4E6850E}"/>
+                <a16:creationId xmlns:a16="http://schemas.microsoft.com/office/drawing/2014/main" id="{43669977-D0D5-47B3-A99B-888735E07543}"/>
               </a:ext>
             </a:extLst>
           </p:cNvPr>
@@ -4261,98 +5148,529 @@
         </p:nvSpPr>
         <p:spPr>
           <a:xfrm>
-            <a:off x="838200" y="1690688"/>
-            <a:ext cx="10515600" cy="4665663"/>
+            <a:off x="838200" y="1368425"/>
+            <a:ext cx="10515600" cy="4351338"/>
           </a:xfrm>
         </p:spPr>
         <p:txBody>
           <a:bodyPr>
-            <a:normAutofit fontScale="85000" lnSpcReduction="20000"/>
+            <a:normAutofit lnSpcReduction="10000"/>
           </a:bodyPr>
           <a:lstStyle/>
           <a:p>
-            <a:r>
-              <a:rPr lang="fr-FR" dirty="0"/>
-              <a:t>Lampe </a:t>
-            </a:r>
-            <a:r>
-              <a:rPr lang="fr-FR" dirty="0" err="1"/>
+            <a:pPr marL="0" indent="0">
+              <a:lnSpc>
+                <a:spcPct val="107000"/>
+              </a:lnSpc>
+              <a:spcAft>
+                <a:spcPts val="800"/>
+              </a:spcAft>
+              <a:buNone/>
+            </a:pPr>
+            <a:r>
+              <a:rPr lang="fr-FR" sz="1800" dirty="0">
+                <a:effectLst/>
+                <a:latin typeface="Calibri" panose="020F0502020204030204" pitchFamily="34" charset="0"/>
+                <a:ea typeface="Calibri" panose="020F0502020204030204" pitchFamily="34" charset="0"/>
+                <a:cs typeface="Times New Roman" panose="02020603050405020304" pitchFamily="18" charset="0"/>
+              </a:rPr>
+              <a:t>Textures de type : ??????</a:t>
+            </a:r>
+            <a:r>
+              <a:rPr lang="fr-FR" sz="1800" dirty="0" err="1">
+                <a:solidFill>
+                  <a:srgbClr val="FF0000"/>
+                </a:solidFill>
+                <a:effectLst/>
+                <a:latin typeface="Calibri" panose="020F0502020204030204" pitchFamily="34" charset="0"/>
+                <a:ea typeface="Calibri" panose="020F0502020204030204" pitchFamily="34" charset="0"/>
+                <a:cs typeface="Times New Roman" panose="02020603050405020304" pitchFamily="18" charset="0"/>
+              </a:rPr>
+              <a:t>color</a:t>
+            </a:r>
+            <a:r>
+              <a:rPr lang="fr-FR" sz="1800" dirty="0">
+                <a:solidFill>
+                  <a:srgbClr val="FF0000"/>
+                </a:solidFill>
+                <a:effectLst/>
+                <a:latin typeface="Calibri" panose="020F0502020204030204" pitchFamily="34" charset="0"/>
+                <a:ea typeface="Calibri" panose="020F0502020204030204" pitchFamily="34" charset="0"/>
+                <a:cs typeface="Times New Roman" panose="02020603050405020304" pitchFamily="18" charset="0"/>
+              </a:rPr>
+              <a:t> </a:t>
+            </a:r>
+            <a:r>
+              <a:rPr lang="fr-FR" sz="1800" dirty="0" err="1">
+                <a:solidFill>
+                  <a:srgbClr val="FF0000"/>
+                </a:solidFill>
+                <a:effectLst/>
+                <a:latin typeface="Calibri" panose="020F0502020204030204" pitchFamily="34" charset="0"/>
+                <a:ea typeface="Calibri" panose="020F0502020204030204" pitchFamily="34" charset="0"/>
+                <a:cs typeface="Times New Roman" panose="02020603050405020304" pitchFamily="18" charset="0"/>
+              </a:rPr>
+              <a:t>map</a:t>
+            </a:r>
+            <a:r>
+              <a:rPr lang="fr-FR" sz="1800" dirty="0">
+                <a:solidFill>
+                  <a:srgbClr val="FF0000"/>
+                </a:solidFill>
+                <a:effectLst/>
+                <a:latin typeface="Calibri" panose="020F0502020204030204" pitchFamily="34" charset="0"/>
+                <a:ea typeface="Calibri" panose="020F0502020204030204" pitchFamily="34" charset="0"/>
+                <a:cs typeface="Times New Roman" panose="02020603050405020304" pitchFamily="18" charset="0"/>
+              </a:rPr>
+              <a:t>, </a:t>
+            </a:r>
+            <a:r>
+              <a:rPr lang="fr-FR" sz="1800" dirty="0" err="1">
+                <a:solidFill>
+                  <a:srgbClr val="FF0000"/>
+                </a:solidFill>
+                <a:effectLst/>
+                <a:latin typeface="Calibri" panose="020F0502020204030204" pitchFamily="34" charset="0"/>
+                <a:ea typeface="Calibri" panose="020F0502020204030204" pitchFamily="34" charset="0"/>
+                <a:cs typeface="Times New Roman" panose="02020603050405020304" pitchFamily="18" charset="0"/>
+              </a:rPr>
+              <a:t>glossy</a:t>
+            </a:r>
+            <a:r>
+              <a:rPr lang="fr-FR" sz="1800" dirty="0">
+                <a:solidFill>
+                  <a:srgbClr val="FF0000"/>
+                </a:solidFill>
+                <a:effectLst/>
+                <a:latin typeface="Calibri" panose="020F0502020204030204" pitchFamily="34" charset="0"/>
+                <a:ea typeface="Calibri" panose="020F0502020204030204" pitchFamily="34" charset="0"/>
+                <a:cs typeface="Times New Roman" panose="02020603050405020304" pitchFamily="18" charset="0"/>
+              </a:rPr>
+              <a:t> </a:t>
+            </a:r>
+            <a:r>
+              <a:rPr lang="fr-FR" sz="1800" dirty="0" err="1">
+                <a:solidFill>
+                  <a:srgbClr val="FF0000"/>
+                </a:solidFill>
+                <a:effectLst/>
+                <a:latin typeface="Calibri" panose="020F0502020204030204" pitchFamily="34" charset="0"/>
+                <a:ea typeface="Calibri" panose="020F0502020204030204" pitchFamily="34" charset="0"/>
+                <a:cs typeface="Times New Roman" panose="02020603050405020304" pitchFamily="18" charset="0"/>
+              </a:rPr>
+              <a:t>map</a:t>
+            </a:r>
+            <a:r>
+              <a:rPr lang="fr-FR" sz="1800" dirty="0">
+                <a:solidFill>
+                  <a:srgbClr val="FF0000"/>
+                </a:solidFill>
+                <a:effectLst/>
+                <a:latin typeface="Calibri" panose="020F0502020204030204" pitchFamily="34" charset="0"/>
+                <a:ea typeface="Calibri" panose="020F0502020204030204" pitchFamily="34" charset="0"/>
+                <a:cs typeface="Times New Roman" panose="02020603050405020304" pitchFamily="18" charset="0"/>
+              </a:rPr>
+              <a:t>, normal </a:t>
+            </a:r>
+            <a:r>
+              <a:rPr lang="fr-FR" sz="1800" dirty="0" err="1">
+                <a:solidFill>
+                  <a:srgbClr val="FF0000"/>
+                </a:solidFill>
+                <a:effectLst/>
+                <a:latin typeface="Calibri" panose="020F0502020204030204" pitchFamily="34" charset="0"/>
+                <a:ea typeface="Calibri" panose="020F0502020204030204" pitchFamily="34" charset="0"/>
+                <a:cs typeface="Times New Roman" panose="02020603050405020304" pitchFamily="18" charset="0"/>
+              </a:rPr>
+              <a:t>map</a:t>
+            </a:r>
+            <a:r>
+              <a:rPr lang="fr-FR" sz="1800" dirty="0">
+                <a:solidFill>
+                  <a:srgbClr val="FF0000"/>
+                </a:solidFill>
+                <a:effectLst/>
+                <a:latin typeface="Calibri" panose="020F0502020204030204" pitchFamily="34" charset="0"/>
+                <a:ea typeface="Calibri" panose="020F0502020204030204" pitchFamily="34" charset="0"/>
+                <a:cs typeface="Times New Roman" panose="02020603050405020304" pitchFamily="18" charset="0"/>
+              </a:rPr>
+              <a:t>, </a:t>
+            </a:r>
+            <a:r>
+              <a:rPr lang="fr-FR" sz="1800" dirty="0" err="1">
+                <a:solidFill>
+                  <a:srgbClr val="FF0000"/>
+                </a:solidFill>
+                <a:effectLst/>
+                <a:latin typeface="Calibri" panose="020F0502020204030204" pitchFamily="34" charset="0"/>
+                <a:ea typeface="Calibri" panose="020F0502020204030204" pitchFamily="34" charset="0"/>
+                <a:cs typeface="Times New Roman" panose="02020603050405020304" pitchFamily="18" charset="0"/>
+              </a:rPr>
+              <a:t>displacement</a:t>
+            </a:r>
+            <a:r>
+              <a:rPr lang="fr-FR" sz="1800" dirty="0">
+                <a:solidFill>
+                  <a:srgbClr val="FF0000"/>
+                </a:solidFill>
+                <a:effectLst/>
+                <a:latin typeface="Calibri" panose="020F0502020204030204" pitchFamily="34" charset="0"/>
+                <a:ea typeface="Calibri" panose="020F0502020204030204" pitchFamily="34" charset="0"/>
+                <a:cs typeface="Times New Roman" panose="02020603050405020304" pitchFamily="18" charset="0"/>
+              </a:rPr>
+              <a:t> </a:t>
+            </a:r>
+            <a:r>
+              <a:rPr lang="fr-FR" sz="1800" dirty="0" err="1">
+                <a:solidFill>
+                  <a:srgbClr val="FF0000"/>
+                </a:solidFill>
+                <a:effectLst/>
+                <a:latin typeface="Calibri" panose="020F0502020204030204" pitchFamily="34" charset="0"/>
+                <a:ea typeface="Calibri" panose="020F0502020204030204" pitchFamily="34" charset="0"/>
+                <a:cs typeface="Times New Roman" panose="02020603050405020304" pitchFamily="18" charset="0"/>
+              </a:rPr>
+              <a:t>map</a:t>
+            </a:r>
+            <a:r>
+              <a:rPr lang="fr-FR" sz="1800" dirty="0">
+                <a:solidFill>
+                  <a:srgbClr val="FF0000"/>
+                </a:solidFill>
+                <a:effectLst/>
+                <a:latin typeface="Calibri" panose="020F0502020204030204" pitchFamily="34" charset="0"/>
+                <a:ea typeface="Calibri" panose="020F0502020204030204" pitchFamily="34" charset="0"/>
+                <a:cs typeface="Times New Roman" panose="02020603050405020304" pitchFamily="18" charset="0"/>
+              </a:rPr>
+              <a:t>, </a:t>
+            </a:r>
+            <a:r>
+              <a:rPr lang="fr-FR" sz="1800" dirty="0" err="1">
+                <a:solidFill>
+                  <a:srgbClr val="FF0000"/>
+                </a:solidFill>
+                <a:effectLst/>
+                <a:latin typeface="Calibri" panose="020F0502020204030204" pitchFamily="34" charset="0"/>
+                <a:ea typeface="Calibri" panose="020F0502020204030204" pitchFamily="34" charset="0"/>
+                <a:cs typeface="Times New Roman" panose="02020603050405020304" pitchFamily="18" charset="0"/>
+              </a:rPr>
+              <a:t>metalness</a:t>
+            </a:r>
+            <a:r>
+              <a:rPr lang="fr-FR" sz="1800" dirty="0">
+                <a:solidFill>
+                  <a:srgbClr val="FF0000"/>
+                </a:solidFill>
+                <a:effectLst/>
+                <a:latin typeface="Calibri" panose="020F0502020204030204" pitchFamily="34" charset="0"/>
+                <a:ea typeface="Calibri" panose="020F0502020204030204" pitchFamily="34" charset="0"/>
+                <a:cs typeface="Times New Roman" panose="02020603050405020304" pitchFamily="18" charset="0"/>
+              </a:rPr>
+              <a:t> </a:t>
+            </a:r>
+            <a:r>
+              <a:rPr lang="fr-FR" sz="1800" dirty="0" err="1">
+                <a:solidFill>
+                  <a:srgbClr val="FF0000"/>
+                </a:solidFill>
+                <a:effectLst/>
+                <a:latin typeface="Calibri" panose="020F0502020204030204" pitchFamily="34" charset="0"/>
+                <a:ea typeface="Calibri" panose="020F0502020204030204" pitchFamily="34" charset="0"/>
+                <a:cs typeface="Times New Roman" panose="02020603050405020304" pitchFamily="18" charset="0"/>
+              </a:rPr>
+              <a:t>map</a:t>
+            </a:r>
+            <a:r>
+              <a:rPr lang="fr-FR" sz="1800" dirty="0">
+                <a:solidFill>
+                  <a:srgbClr val="FF0000"/>
+                </a:solidFill>
+                <a:effectLst/>
+                <a:latin typeface="Calibri" panose="020F0502020204030204" pitchFamily="34" charset="0"/>
+                <a:ea typeface="Calibri" panose="020F0502020204030204" pitchFamily="34" charset="0"/>
+                <a:cs typeface="Times New Roman" panose="02020603050405020304" pitchFamily="18" charset="0"/>
+              </a:rPr>
+              <a:t>, ....</a:t>
+            </a:r>
+          </a:p>
+          <a:p>
+            <a:pPr marL="0" indent="0">
+              <a:lnSpc>
+                <a:spcPct val="107000"/>
+              </a:lnSpc>
+              <a:spcAft>
+                <a:spcPts val="800"/>
+              </a:spcAft>
+              <a:buNone/>
+            </a:pPr>
+            <a:r>
+              <a:rPr lang="fr-FR" sz="1800" dirty="0">
+                <a:effectLst/>
+                <a:latin typeface="Calibri" panose="020F0502020204030204" pitchFamily="34" charset="0"/>
+                <a:ea typeface="Calibri" panose="020F0502020204030204" pitchFamily="34" charset="0"/>
+                <a:cs typeface="Times New Roman" panose="02020603050405020304" pitchFamily="18" charset="0"/>
+              </a:rPr>
+              <a:t>Mise en place de squelette pour la lampe </a:t>
+            </a:r>
+            <a:r>
+              <a:rPr lang="fr-FR" sz="1800" dirty="0" err="1">
+                <a:effectLst/>
+                <a:latin typeface="Calibri" panose="020F0502020204030204" pitchFamily="34" charset="0"/>
+                <a:ea typeface="Calibri" panose="020F0502020204030204" pitchFamily="34" charset="0"/>
+                <a:cs typeface="Times New Roman" panose="02020603050405020304" pitchFamily="18" charset="0"/>
+              </a:rPr>
               <a:t>Pixie</a:t>
             </a:r>
+            <a:r>
+              <a:rPr lang="fr-FR" sz="1800" dirty="0">
+                <a:effectLst/>
+                <a:latin typeface="Calibri" panose="020F0502020204030204" pitchFamily="34" charset="0"/>
+                <a:ea typeface="Calibri" panose="020F0502020204030204" pitchFamily="34" charset="0"/>
+                <a:cs typeface="Times New Roman" panose="02020603050405020304" pitchFamily="18" charset="0"/>
+              </a:rPr>
+              <a:t>, la lampe méchante, l’ours ainsi que le chat. </a:t>
+            </a:r>
+          </a:p>
+          <a:p>
+            <a:pPr marL="0" indent="0">
+              <a:lnSpc>
+                <a:spcPct val="107000"/>
+              </a:lnSpc>
+              <a:spcAft>
+                <a:spcPts val="800"/>
+              </a:spcAft>
+              <a:buNone/>
+            </a:pPr>
+            <a:r>
+              <a:rPr lang="fr-FR" sz="1800" dirty="0">
+                <a:latin typeface="Calibri" panose="020F0502020204030204" pitchFamily="34" charset="0"/>
+                <a:ea typeface="Calibri" panose="020F0502020204030204" pitchFamily="34" charset="0"/>
+                <a:cs typeface="Times New Roman" panose="02020603050405020304" pitchFamily="18" charset="0"/>
+              </a:rPr>
+              <a:t>Chaque animation sont faites par </a:t>
+            </a:r>
+            <a:r>
+              <a:rPr lang="fr-FR" sz="1800" dirty="0">
+                <a:effectLst/>
+                <a:latin typeface="Calibri" panose="020F0502020204030204" pitchFamily="34" charset="0"/>
+                <a:ea typeface="Calibri" panose="020F0502020204030204" pitchFamily="34" charset="0"/>
+                <a:cs typeface="Times New Roman" panose="02020603050405020304" pitchFamily="18" charset="0"/>
+              </a:rPr>
+              <a:t>« </a:t>
+            </a:r>
+            <a:r>
+              <a:rPr lang="fr-FR" sz="1800" dirty="0" err="1">
+                <a:effectLst/>
+                <a:latin typeface="Calibri" panose="020F0502020204030204" pitchFamily="34" charset="0"/>
+                <a:ea typeface="Calibri" panose="020F0502020204030204" pitchFamily="34" charset="0"/>
+                <a:cs typeface="Times New Roman" panose="02020603050405020304" pitchFamily="18" charset="0"/>
+              </a:rPr>
+              <a:t>shape</a:t>
+            </a:r>
+            <a:r>
+              <a:rPr lang="fr-FR" sz="1800" dirty="0">
+                <a:effectLst/>
+                <a:latin typeface="Calibri" panose="020F0502020204030204" pitchFamily="34" charset="0"/>
+                <a:ea typeface="Calibri" panose="020F0502020204030204" pitchFamily="34" charset="0"/>
+                <a:cs typeface="Times New Roman" panose="02020603050405020304" pitchFamily="18" charset="0"/>
+              </a:rPr>
+              <a:t> key ».</a:t>
+            </a:r>
+          </a:p>
+          <a:p>
+            <a:pPr marL="0" indent="0">
+              <a:lnSpc>
+                <a:spcPct val="107000"/>
+              </a:lnSpc>
+              <a:spcAft>
+                <a:spcPts val="800"/>
+              </a:spcAft>
+              <a:buNone/>
+            </a:pPr>
+            <a:r>
+              <a:rPr lang="fr-FR" sz="1800" dirty="0">
+                <a:latin typeface="Calibri" panose="020F0502020204030204" pitchFamily="34" charset="0"/>
+                <a:ea typeface="Calibri" panose="020F0502020204030204" pitchFamily="34" charset="0"/>
+                <a:cs typeface="Times New Roman" panose="02020603050405020304" pitchFamily="18" charset="0"/>
+              </a:rPr>
+              <a:t>Le réveil est un objet sur la table basse, qui possède des yeux. Lors du passage de la scène de la table basse, ce dernier suit </a:t>
+            </a:r>
+            <a:r>
+              <a:rPr lang="fr-FR" sz="1800" dirty="0" err="1">
+                <a:latin typeface="Calibri" panose="020F0502020204030204" pitchFamily="34" charset="0"/>
+                <a:ea typeface="Calibri" panose="020F0502020204030204" pitchFamily="34" charset="0"/>
+                <a:cs typeface="Times New Roman" panose="02020603050405020304" pitchFamily="18" charset="0"/>
+              </a:rPr>
+              <a:t>Pixie</a:t>
+            </a:r>
+            <a:r>
+              <a:rPr lang="fr-FR" sz="1800" dirty="0">
+                <a:latin typeface="Calibri" panose="020F0502020204030204" pitchFamily="34" charset="0"/>
+                <a:ea typeface="Calibri" panose="020F0502020204030204" pitchFamily="34" charset="0"/>
+                <a:cs typeface="Times New Roman" panose="02020603050405020304" pitchFamily="18" charset="0"/>
+              </a:rPr>
+              <a:t> du regard.</a:t>
+            </a:r>
+          </a:p>
+          <a:p>
+            <a:pPr marL="0" indent="0">
+              <a:lnSpc>
+                <a:spcPct val="107000"/>
+              </a:lnSpc>
+              <a:spcAft>
+                <a:spcPts val="800"/>
+              </a:spcAft>
+              <a:buNone/>
+            </a:pPr>
+            <a:r>
+              <a:rPr lang="fr-FR" sz="1800" dirty="0">
+                <a:effectLst/>
+                <a:latin typeface="Calibri" panose="020F0502020204030204" pitchFamily="34" charset="0"/>
+                <a:ea typeface="Calibri" panose="020F0502020204030204" pitchFamily="34" charset="0"/>
+                <a:cs typeface="Times New Roman" panose="02020603050405020304" pitchFamily="18" charset="0"/>
+              </a:rPr>
+              <a:t>Nous avons ajoutés des bruitages et effets sonores (verre qui se casse, bruit de pas…), ainsi que des musiques (« Final </a:t>
+            </a:r>
+            <a:r>
+              <a:rPr lang="fr-FR" sz="1800" dirty="0" err="1">
+                <a:effectLst/>
+                <a:latin typeface="Calibri" panose="020F0502020204030204" pitchFamily="34" charset="0"/>
+                <a:ea typeface="Calibri" panose="020F0502020204030204" pitchFamily="34" charset="0"/>
+                <a:cs typeface="Times New Roman" panose="02020603050405020304" pitchFamily="18" charset="0"/>
+              </a:rPr>
+              <a:t>credits</a:t>
+            </a:r>
+            <a:r>
+              <a:rPr lang="fr-FR" sz="1800" dirty="0">
+                <a:effectLst/>
+                <a:latin typeface="Calibri" panose="020F0502020204030204" pitchFamily="34" charset="0"/>
+                <a:ea typeface="Calibri" panose="020F0502020204030204" pitchFamily="34" charset="0"/>
+                <a:cs typeface="Times New Roman" panose="02020603050405020304" pitchFamily="18" charset="0"/>
+              </a:rPr>
+              <a:t> », « </a:t>
+            </a:r>
+            <a:r>
+              <a:rPr lang="fr-FR" sz="1800" dirty="0" err="1">
+                <a:effectLst/>
+                <a:latin typeface="Calibri" panose="020F0502020204030204" pitchFamily="34" charset="0"/>
+                <a:ea typeface="Calibri" panose="020F0502020204030204" pitchFamily="34" charset="0"/>
+                <a:cs typeface="Times New Roman" panose="02020603050405020304" pitchFamily="18" charset="0"/>
+              </a:rPr>
+              <a:t>See</a:t>
+            </a:r>
+            <a:r>
+              <a:rPr lang="fr-FR" sz="1800" dirty="0">
+                <a:effectLst/>
+                <a:latin typeface="Calibri" panose="020F0502020204030204" pitchFamily="34" charset="0"/>
+                <a:ea typeface="Calibri" panose="020F0502020204030204" pitchFamily="34" charset="0"/>
+                <a:cs typeface="Times New Roman" panose="02020603050405020304" pitchFamily="18" charset="0"/>
+              </a:rPr>
+              <a:t> You </a:t>
+            </a:r>
+            <a:r>
+              <a:rPr lang="fr-FR" sz="1800" dirty="0" err="1">
+                <a:effectLst/>
+                <a:latin typeface="Calibri" panose="020F0502020204030204" pitchFamily="34" charset="0"/>
+                <a:ea typeface="Calibri" panose="020F0502020204030204" pitchFamily="34" charset="0"/>
+                <a:cs typeface="Times New Roman" panose="02020603050405020304" pitchFamily="18" charset="0"/>
+              </a:rPr>
+              <a:t>Again</a:t>
+            </a:r>
+            <a:r>
+              <a:rPr lang="fr-FR" sz="1800" dirty="0">
+                <a:effectLst/>
+                <a:latin typeface="Calibri" panose="020F0502020204030204" pitchFamily="34" charset="0"/>
+                <a:ea typeface="Calibri" panose="020F0502020204030204" pitchFamily="34" charset="0"/>
+                <a:cs typeface="Times New Roman" panose="02020603050405020304" pitchFamily="18" charset="0"/>
+              </a:rPr>
+              <a:t> », « Montero »).</a:t>
+            </a:r>
+          </a:p>
+          <a:p>
+            <a:pPr marL="0" indent="0">
+              <a:lnSpc>
+                <a:spcPct val="107000"/>
+              </a:lnSpc>
+              <a:spcAft>
+                <a:spcPts val="800"/>
+              </a:spcAft>
+              <a:buNone/>
+            </a:pPr>
+            <a:r>
+              <a:rPr lang="fr-FR" sz="1800" dirty="0">
+                <a:effectLst/>
+                <a:latin typeface="Calibri" panose="020F0502020204030204" pitchFamily="34" charset="0"/>
+                <a:ea typeface="Calibri" panose="020F0502020204030204" pitchFamily="34" charset="0"/>
+                <a:cs typeface="Times New Roman" panose="02020603050405020304" pitchFamily="18" charset="0"/>
+              </a:rPr>
+              <a:t>Pour chaque objet, nous avons ajoutés des ombres grâce à un plan « </a:t>
+            </a:r>
+            <a:r>
+              <a:rPr lang="fr-FR" sz="1800" dirty="0" err="1">
+                <a:effectLst/>
+                <a:latin typeface="Calibri" panose="020F0502020204030204" pitchFamily="34" charset="0"/>
+                <a:ea typeface="Calibri" panose="020F0502020204030204" pitchFamily="34" charset="0"/>
+                <a:cs typeface="Times New Roman" panose="02020603050405020304" pitchFamily="18" charset="0"/>
+              </a:rPr>
+              <a:t>shadow</a:t>
+            </a:r>
+            <a:r>
+              <a:rPr lang="fr-FR" sz="1800" dirty="0">
+                <a:effectLst/>
+                <a:latin typeface="Calibri" panose="020F0502020204030204" pitchFamily="34" charset="0"/>
+                <a:ea typeface="Calibri" panose="020F0502020204030204" pitchFamily="34" charset="0"/>
+                <a:cs typeface="Times New Roman" panose="02020603050405020304" pitchFamily="18" charset="0"/>
+              </a:rPr>
+              <a:t> catcher » invisible lors du rendu, mais qui permet de laisser apparaître les ombres de l’objet, selon la lumière et sa position. </a:t>
+            </a:r>
+          </a:p>
+          <a:p>
+            <a:pPr marL="0" indent="0">
+              <a:lnSpc>
+                <a:spcPct val="107000"/>
+              </a:lnSpc>
+              <a:spcAft>
+                <a:spcPts val="800"/>
+              </a:spcAft>
+              <a:buNone/>
+            </a:pPr>
+            <a:r>
+              <a:rPr lang="fr-FR" sz="1800" dirty="0">
+                <a:effectLst/>
+                <a:latin typeface="Calibri" panose="020F0502020204030204" pitchFamily="34" charset="0"/>
+                <a:ea typeface="Calibri" panose="020F0502020204030204" pitchFamily="34" charset="0"/>
+                <a:cs typeface="Times New Roman" panose="02020603050405020304" pitchFamily="18" charset="0"/>
+              </a:rPr>
+              <a:t>Occlusion (objet réel de la vidéo occultant un objet virtuel) pour </a:t>
+            </a:r>
+            <a:r>
+              <a:rPr lang="fr-FR" sz="1800" dirty="0" err="1">
+                <a:effectLst/>
+                <a:latin typeface="Calibri" panose="020F0502020204030204" pitchFamily="34" charset="0"/>
+                <a:ea typeface="Calibri" panose="020F0502020204030204" pitchFamily="34" charset="0"/>
+                <a:cs typeface="Times New Roman" panose="02020603050405020304" pitchFamily="18" charset="0"/>
+              </a:rPr>
+              <a:t>Pixie</a:t>
+            </a:r>
+            <a:r>
+              <a:rPr lang="fr-FR" sz="1800" dirty="0">
+                <a:effectLst/>
+                <a:latin typeface="Calibri" panose="020F0502020204030204" pitchFamily="34" charset="0"/>
+                <a:ea typeface="Calibri" panose="020F0502020204030204" pitchFamily="34" charset="0"/>
+                <a:cs typeface="Times New Roman" panose="02020603050405020304" pitchFamily="18" charset="0"/>
+              </a:rPr>
+              <a:t>, la lampe méchante, la plante.</a:t>
+            </a:r>
+          </a:p>
+          <a:p>
             <a:endParaRPr lang="fr-FR" dirty="0"/>
-          </a:p>
-          <a:p>
-            <a:r>
-              <a:rPr lang="fr-FR" dirty="0"/>
-              <a:t>Réveil</a:t>
-            </a:r>
-          </a:p>
-          <a:p>
-            <a:r>
-              <a:rPr lang="fr-FR" dirty="0"/>
-              <a:t>Livre</a:t>
-            </a:r>
-          </a:p>
-          <a:p>
-            <a:r>
-              <a:rPr lang="fr-FR" dirty="0"/>
-              <a:t>Plante « succulente »</a:t>
-            </a:r>
-          </a:p>
-          <a:p>
-            <a:r>
-              <a:rPr lang="fr-FR" dirty="0"/>
-              <a:t>Chat</a:t>
-            </a:r>
-          </a:p>
-          <a:p>
-            <a:r>
-              <a:rPr lang="fr-FR" dirty="0"/>
-              <a:t>Effet feu</a:t>
-            </a:r>
-          </a:p>
-          <a:p>
-            <a:r>
-              <a:rPr lang="fr-FR" dirty="0"/>
-              <a:t>Ours</a:t>
-            </a:r>
-          </a:p>
-          <a:p>
-            <a:r>
-              <a:rPr lang="fr-FR" dirty="0"/>
-              <a:t>Verre à vin</a:t>
-            </a:r>
-          </a:p>
-          <a:p>
-            <a:r>
-              <a:rPr lang="fr-FR" dirty="0"/>
-              <a:t>Verre</a:t>
-            </a:r>
-          </a:p>
-          <a:p>
-            <a:r>
-              <a:rPr lang="fr-FR" dirty="0"/>
-              <a:t>Mug</a:t>
-            </a:r>
-          </a:p>
-          <a:p>
-            <a:r>
-              <a:rPr lang="fr-FR" dirty="0"/>
-              <a:t>Tabouret</a:t>
-            </a:r>
-          </a:p>
-          <a:p>
-            <a:r>
-              <a:rPr lang="fr-FR" dirty="0"/>
-              <a:t>Bougie</a:t>
-            </a:r>
           </a:p>
         </p:txBody>
       </p:sp>
     </p:spTree>
     <p:extLst>
       <p:ext uri="{BB962C8B-B14F-4D97-AF65-F5344CB8AC3E}">
-        <p14:creationId xmlns:p14="http://schemas.microsoft.com/office/powerpoint/2010/main" val="2113722681"/>
+        <p14:creationId xmlns:p14="http://schemas.microsoft.com/office/powerpoint/2010/main" val="4163582446"/>
       </p:ext>
     </p:extLst>
   </p:cSld>
@@ -4384,7 +5702,7 @@
           <p:cNvPr id="2" name="Titre 1">
             <a:extLst>
               <a:ext uri="{FF2B5EF4-FFF2-40B4-BE49-F238E27FC236}">
-                <a16:creationId xmlns:a16="http://schemas.microsoft.com/office/drawing/2014/main" id="{2541DAC3-95E3-4A46-9A8C-BF031CE6FE8D}"/>
+                <a16:creationId xmlns:a16="http://schemas.microsoft.com/office/drawing/2014/main" id="{D7F39FC5-5AF4-47FB-8984-923E322DC811}"/>
               </a:ext>
             </a:extLst>
           </p:cNvPr>
@@ -4393,125 +5711,21 @@
           </p:cNvSpPr>
           <p:nvPr>
             <p:ph type="title"/>
-          </p:nvPr>
-        </p:nvSpPr>
-        <p:spPr/>
-        <p:txBody>
-          <a:bodyPr/>
-          <a:lstStyle/>
-          <a:p>
-            <a:r>
-              <a:rPr lang="fr-FR" dirty="0"/>
-              <a:t>Liste d’objets animés | avec un squelette</a:t>
-            </a:r>
-          </a:p>
-        </p:txBody>
-      </p:sp>
-      <p:sp>
-        <p:nvSpPr>
-          <p:cNvPr id="3" name="Espace réservé du contenu 2">
-            <a:extLst>
-              <a:ext uri="{FF2B5EF4-FFF2-40B4-BE49-F238E27FC236}">
-                <a16:creationId xmlns:a16="http://schemas.microsoft.com/office/drawing/2014/main" id="{9851F452-3844-48D9-84CC-0678F4E6850E}"/>
-              </a:ext>
-            </a:extLst>
-          </p:cNvPr>
-          <p:cNvSpPr>
-            <a:spLocks noGrp="1"/>
-          </p:cNvSpPr>
-          <p:nvPr>
-            <p:ph idx="1"/>
           </p:nvPr>
         </p:nvSpPr>
         <p:spPr>
           <a:xfrm>
-            <a:off x="838200" y="1690688"/>
-            <a:ext cx="10515600" cy="4665663"/>
+            <a:off x="2494067" y="2766218"/>
+            <a:ext cx="10515600" cy="1325563"/>
           </a:xfrm>
         </p:spPr>
         <p:txBody>
-          <a:bodyPr>
-            <a:normAutofit fontScale="85000" lnSpcReduction="20000"/>
-          </a:bodyPr>
+          <a:bodyPr/>
           <a:lstStyle/>
           <a:p>
             <a:r>
               <a:rPr lang="fr-FR" dirty="0"/>
-              <a:t>Lampe </a:t>
-            </a:r>
-            <a:r>
-              <a:rPr lang="fr-FR" dirty="0" err="1"/>
-              <a:t>Pixie</a:t>
-            </a:r>
-            <a:r>
-              <a:rPr lang="fr-FR" dirty="0"/>
-              <a:t> (+ squelette)</a:t>
-            </a:r>
-          </a:p>
-          <a:p>
-            <a:r>
-              <a:rPr lang="fr-FR" dirty="0"/>
-              <a:t>Réveil</a:t>
-            </a:r>
-          </a:p>
-          <a:p>
-            <a:r>
-              <a:rPr lang="fr-FR" dirty="0"/>
-              <a:t>Livre</a:t>
-            </a:r>
-          </a:p>
-          <a:p>
-            <a:r>
-              <a:rPr lang="fr-FR" dirty="0"/>
-              <a:t>Plante « succulente »</a:t>
-            </a:r>
-          </a:p>
-          <a:p>
-            <a:r>
-              <a:rPr lang="fr-FR" dirty="0"/>
-              <a:t>Chat (+ squelette)</a:t>
-            </a:r>
-          </a:p>
-          <a:p>
-            <a:r>
-              <a:rPr lang="fr-FR" dirty="0"/>
-              <a:t>Effet feu</a:t>
-            </a:r>
-          </a:p>
-          <a:p>
-            <a:r>
-              <a:rPr lang="fr-FR" dirty="0"/>
-              <a:t>Ours (+ squelette)</a:t>
-            </a:r>
-          </a:p>
-          <a:p>
-            <a:r>
-              <a:rPr lang="fr-FR" dirty="0"/>
-              <a:t>Verre à vin</a:t>
-            </a:r>
-          </a:p>
-          <a:p>
-            <a:r>
-              <a:rPr lang="fr-FR" dirty="0"/>
-              <a:t>Verre</a:t>
-            </a:r>
-          </a:p>
-          <a:p>
-            <a:r>
-              <a:rPr lang="fr-FR" dirty="0"/>
-              <a:t>Mug</a:t>
-            </a:r>
-          </a:p>
-          <a:p>
-            <a:r>
-              <a:rPr lang="fr-FR" dirty="0"/>
-              <a:t>Tabouret</a:t>
-            </a:r>
-          </a:p>
-          <a:p>
-            <a:r>
-              <a:rPr lang="fr-FR" dirty="0"/>
-              <a:t>Bougie</a:t>
+              <a:t>II/ Contraintes organisationnelles</a:t>
             </a:r>
           </a:p>
         </p:txBody>
@@ -4519,7 +5733,7 @@
     </p:spTree>
     <p:extLst>
       <p:ext uri="{BB962C8B-B14F-4D97-AF65-F5344CB8AC3E}">
-        <p14:creationId xmlns:p14="http://schemas.microsoft.com/office/powerpoint/2010/main" val="4182760727"/>
+        <p14:creationId xmlns:p14="http://schemas.microsoft.com/office/powerpoint/2010/main" val="496658157"/>
       </p:ext>
     </p:extLst>
   </p:cSld>
@@ -4551,7 +5765,7 @@
           <p:cNvPr id="2" name="Titre 1">
             <a:extLst>
               <a:ext uri="{FF2B5EF4-FFF2-40B4-BE49-F238E27FC236}">
-                <a16:creationId xmlns:a16="http://schemas.microsoft.com/office/drawing/2014/main" id="{9241A865-6F78-499B-A8C6-581653842FF7}"/>
+                <a16:creationId xmlns:a16="http://schemas.microsoft.com/office/drawing/2014/main" id="{917EC3BE-4149-4DB5-AF72-CCC86EEF1DAF}"/>
               </a:ext>
             </a:extLst>
           </p:cNvPr>
@@ -4562,27 +5776,122 @@
             <p:ph type="title"/>
           </p:nvPr>
         </p:nvSpPr>
-        <p:spPr>
-          <a:xfrm>
-            <a:off x="3505200" y="2536825"/>
-            <a:ext cx="7848600" cy="1325563"/>
-          </a:xfrm>
-        </p:spPr>
+        <p:spPr/>
         <p:txBody>
           <a:bodyPr/>
           <a:lstStyle/>
           <a:p>
             <a:r>
               <a:rPr lang="fr-FR" dirty="0"/>
-              <a:t>Répartition du travail</a:t>
-            </a:r>
+              <a:t>Organisation d’écriture</a:t>
+            </a:r>
+          </a:p>
+        </p:txBody>
+      </p:sp>
+      <p:sp>
+        <p:nvSpPr>
+          <p:cNvPr id="3" name="Espace réservé du contenu 2">
+            <a:extLst>
+              <a:ext uri="{FF2B5EF4-FFF2-40B4-BE49-F238E27FC236}">
+                <a16:creationId xmlns:a16="http://schemas.microsoft.com/office/drawing/2014/main" id="{4775D435-2B64-4A01-AC86-084D48A87792}"/>
+              </a:ext>
+            </a:extLst>
+          </p:cNvPr>
+          <p:cNvSpPr>
+            <a:spLocks noGrp="1"/>
+          </p:cNvSpPr>
+          <p:nvPr>
+            <p:ph idx="1"/>
+          </p:nvPr>
+        </p:nvSpPr>
+        <p:spPr/>
+        <p:txBody>
+          <a:bodyPr/>
+          <a:lstStyle/>
+          <a:p>
+            <a:pPr marL="0" indent="0">
+              <a:buNone/>
+            </a:pPr>
+            <a:r>
+              <a:rPr lang="fr-FR" dirty="0"/>
+              <a:t>Scénario : proposition de Camille retenue.</a:t>
+            </a:r>
+          </a:p>
+          <a:p>
+            <a:pPr marL="0" indent="0">
+              <a:buNone/>
+            </a:pPr>
+            <a:r>
+              <a:rPr lang="fr-FR" dirty="0"/>
+              <a:t>Synopsis &amp; </a:t>
+            </a:r>
+            <a:r>
+              <a:rPr lang="fr-FR" dirty="0" err="1"/>
+              <a:t>événemencier</a:t>
+            </a:r>
+            <a:r>
+              <a:rPr lang="fr-FR" dirty="0"/>
+              <a:t> : écriture en équipe complète.</a:t>
+            </a:r>
+          </a:p>
+          <a:p>
+            <a:pPr marL="0" indent="0">
+              <a:buNone/>
+            </a:pPr>
+            <a:r>
+              <a:rPr lang="fr-FR" dirty="0"/>
+              <a:t>Storyboard : réalisation du storyboard en brouillon, début des étapes clés (durée, actions, musiques). Dessin final et mise au propre par Camille. </a:t>
+            </a:r>
+          </a:p>
+          <a:p>
+            <a:pPr marL="0" indent="0">
+              <a:buNone/>
+            </a:pPr>
+            <a:endParaRPr lang="fr-FR" dirty="0"/>
+          </a:p>
+          <a:p>
+            <a:pPr marL="0" indent="0">
+              <a:buNone/>
+            </a:pPr>
+            <a:r>
+              <a:rPr lang="fr-FR" dirty="0"/>
+              <a:t>Organisation : Trello et </a:t>
+            </a:r>
+            <a:r>
+              <a:rPr lang="fr-FR" dirty="0" err="1"/>
+              <a:t>Github</a:t>
+            </a:r>
+            <a:r>
+              <a:rPr lang="fr-FR" dirty="0"/>
+              <a:t>.</a:t>
+            </a:r>
+            <a:br>
+              <a:rPr lang="fr-FR" dirty="0"/>
+            </a:br>
+            <a:r>
+              <a:rPr lang="fr-FR" dirty="0"/>
+              <a:t>Réunion : 2 réunions par semaine pour faire des mises au point.</a:t>
+            </a:r>
+            <a:br>
+              <a:rPr lang="fr-FR" dirty="0"/>
+            </a:br>
+            <a:r>
+              <a:rPr lang="fr-FR" dirty="0"/>
+              <a:t>Chacun avance de son côté. Entraide. </a:t>
+            </a:r>
+          </a:p>
+          <a:p>
+            <a:pPr marL="0" indent="0">
+              <a:buNone/>
+            </a:pPr>
+            <a:endParaRPr lang="fr-FR" dirty="0"/>
           </a:p>
         </p:txBody>
       </p:sp>
     </p:spTree>
     <p:extLst>
       <p:ext uri="{BB962C8B-B14F-4D97-AF65-F5344CB8AC3E}">
-        <p14:creationId xmlns:p14="http://schemas.microsoft.com/office/powerpoint/2010/main" val="2697836391"/>
+        <p14:creationId xmlns:p14="http://schemas.microsoft.com/office/powerpoint/2010/main" val="3723314604"/>
       </p:ext>
     </p:extLst>
   </p:cSld>
@@ -4614,7 +5923,7 @@
           <p:cNvPr id="2" name="Titre 1">
             <a:extLst>
               <a:ext uri="{FF2B5EF4-FFF2-40B4-BE49-F238E27FC236}">
-                <a16:creationId xmlns:a16="http://schemas.microsoft.com/office/drawing/2014/main" id="{917EC3BE-4149-4DB5-AF72-CCC86EEF1DAF}"/>
+                <a16:creationId xmlns:a16="http://schemas.microsoft.com/office/drawing/2014/main" id="{28EC857E-67A9-4573-A323-143FA8C5CC7B}"/>
               </a:ext>
             </a:extLst>
           </p:cNvPr>
@@ -4625,71 +5934,19 @@
             <p:ph type="title"/>
           </p:nvPr>
         </p:nvSpPr>
-        <p:spPr/>
+        <p:spPr>
+          <a:xfrm>
+            <a:off x="3786698" y="2766218"/>
+            <a:ext cx="9169400" cy="1325563"/>
+          </a:xfrm>
+        </p:spPr>
         <p:txBody>
           <a:bodyPr/>
           <a:lstStyle/>
           <a:p>
             <a:r>
               <a:rPr lang="fr-FR" dirty="0"/>
-              <a:t>Organisation d’écriture</a:t>
-            </a:r>
-          </a:p>
-        </p:txBody>
-      </p:sp>
-      <p:sp>
-        <p:nvSpPr>
-          <p:cNvPr id="3" name="Espace réservé du contenu 2">
-            <a:extLst>
-              <a:ext uri="{FF2B5EF4-FFF2-40B4-BE49-F238E27FC236}">
-                <a16:creationId xmlns:a16="http://schemas.microsoft.com/office/drawing/2014/main" id="{4775D435-2B64-4A01-AC86-084D48A87792}"/>
-              </a:ext>
-            </a:extLst>
-          </p:cNvPr>
-          <p:cNvSpPr>
-            <a:spLocks noGrp="1"/>
-          </p:cNvSpPr>
-          <p:nvPr>
-            <p:ph idx="1"/>
-          </p:nvPr>
-        </p:nvSpPr>
-        <p:spPr/>
-        <p:txBody>
-          <a:bodyPr/>
-          <a:lstStyle/>
-          <a:p>
-            <a:pPr marL="0" indent="0">
-              <a:buNone/>
-            </a:pPr>
-            <a:r>
-              <a:rPr lang="fr-FR" dirty="0"/>
-              <a:t>Scénario : proposition de Camille retenue.</a:t>
-            </a:r>
-          </a:p>
-          <a:p>
-            <a:pPr marL="0" indent="0">
-              <a:buNone/>
-            </a:pPr>
-            <a:r>
-              <a:rPr lang="fr-FR" dirty="0"/>
-              <a:t>Synopsis &amp; </a:t>
-            </a:r>
-            <a:r>
-              <a:rPr lang="fr-FR" dirty="0" err="1"/>
-              <a:t>événemencier</a:t>
-            </a:r>
-            <a:r>
-              <a:rPr lang="fr-FR" dirty="0"/>
-              <a:t> : écriture en équipe complète.</a:t>
-            </a:r>
-          </a:p>
-          <a:p>
-            <a:pPr marL="0" indent="0">
-              <a:buNone/>
-            </a:pPr>
-            <a:r>
-              <a:rPr lang="fr-FR" dirty="0"/>
-              <a:t>Storyboard : réalisation du storyboard en brouillon, début des étapes clés (durée, actions, musiques). Dessin final et mise au propre par Camille. </a:t>
+              <a:t>Ressources à produire</a:t>
             </a:r>
           </a:p>
         </p:txBody>
@@ -4697,7 +5954,7 @@
     </p:spTree>
     <p:extLst>
       <p:ext uri="{BB962C8B-B14F-4D97-AF65-F5344CB8AC3E}">
-        <p14:creationId xmlns:p14="http://schemas.microsoft.com/office/powerpoint/2010/main" val="3723314604"/>
+        <p14:creationId xmlns:p14="http://schemas.microsoft.com/office/powerpoint/2010/main" val="3863030978"/>
       </p:ext>
     </p:extLst>
   </p:cSld>
@@ -4729,7 +5986,7 @@
           <p:cNvPr id="2" name="Titre 1">
             <a:extLst>
               <a:ext uri="{FF2B5EF4-FFF2-40B4-BE49-F238E27FC236}">
-                <a16:creationId xmlns:a16="http://schemas.microsoft.com/office/drawing/2014/main" id="{635885DE-E3C2-4602-91CD-26046BA150E6}"/>
+                <a16:creationId xmlns:a16="http://schemas.microsoft.com/office/drawing/2014/main" id="{2541DAC3-95E3-4A46-9A8C-BF031CE6FE8D}"/>
               </a:ext>
             </a:extLst>
           </p:cNvPr>
@@ -4738,496 +5995,124 @@
           </p:cNvSpPr>
           <p:nvPr>
             <p:ph type="title"/>
+          </p:nvPr>
+        </p:nvSpPr>
+        <p:spPr/>
+        <p:txBody>
+          <a:bodyPr/>
+          <a:lstStyle/>
+          <a:p>
+            <a:r>
+              <a:rPr lang="fr-FR" dirty="0"/>
+              <a:t>Liste d’objets modélisés </a:t>
+            </a:r>
+          </a:p>
+        </p:txBody>
+      </p:sp>
+      <p:sp>
+        <p:nvSpPr>
+          <p:cNvPr id="3" name="Espace réservé du contenu 2">
+            <a:extLst>
+              <a:ext uri="{FF2B5EF4-FFF2-40B4-BE49-F238E27FC236}">
+                <a16:creationId xmlns:a16="http://schemas.microsoft.com/office/drawing/2014/main" id="{9851F452-3844-48D9-84CC-0678F4E6850E}"/>
+              </a:ext>
+            </a:extLst>
+          </p:cNvPr>
+          <p:cNvSpPr>
+            <a:spLocks noGrp="1"/>
+          </p:cNvSpPr>
+          <p:nvPr>
+            <p:ph idx="1"/>
           </p:nvPr>
         </p:nvSpPr>
         <p:spPr>
           <a:xfrm>
-            <a:off x="838200" y="198437"/>
-            <a:ext cx="10515600" cy="1325563"/>
+            <a:off x="838200" y="1690688"/>
+            <a:ext cx="10515600" cy="4665663"/>
           </a:xfrm>
         </p:spPr>
         <p:txBody>
-          <a:bodyPr/>
+          <a:bodyPr>
+            <a:normAutofit fontScale="92500" lnSpcReduction="20000"/>
+          </a:bodyPr>
           <a:lstStyle/>
           <a:p>
             <a:r>
               <a:rPr lang="fr-FR" dirty="0"/>
-              <a:t>Tenue d’un cahier des charges en commun</a:t>
-            </a:r>
-          </a:p>
-        </p:txBody>
-      </p:sp>
-      <p:sp>
-        <p:nvSpPr>
-          <p:cNvPr id="3" name="Espace réservé du contenu 2">
-            <a:extLst>
-              <a:ext uri="{FF2B5EF4-FFF2-40B4-BE49-F238E27FC236}">
-                <a16:creationId xmlns:a16="http://schemas.microsoft.com/office/drawing/2014/main" id="{3DD85D49-D557-4CDB-A0A2-566B3816183A}"/>
-              </a:ext>
-            </a:extLst>
-          </p:cNvPr>
-          <p:cNvSpPr>
-            <a:spLocks noGrp="1"/>
-          </p:cNvSpPr>
-          <p:nvPr>
-            <p:ph idx="1"/>
-          </p:nvPr>
-        </p:nvSpPr>
-        <p:spPr>
-          <a:xfrm>
-            <a:off x="838200" y="1524000"/>
-            <a:ext cx="10515600" cy="5135563"/>
-          </a:xfrm>
-        </p:spPr>
-        <p:txBody>
-          <a:bodyPr>
-            <a:noAutofit/>
-          </a:bodyPr>
-          <a:lstStyle/>
-          <a:p>
-            <a:pPr rtl="0">
-              <a:spcBef>
-                <a:spcPts val="0"/>
-              </a:spcBef>
-              <a:spcAft>
-                <a:spcPts val="800"/>
-              </a:spcAft>
-            </a:pPr>
-            <a:r>
-              <a:rPr lang="fr-FR" sz="1200" b="1" i="0" u="sng" dirty="0">
-                <a:solidFill>
-                  <a:srgbClr val="000000"/>
-                </a:solidFill>
-                <a:effectLst/>
-                <a:latin typeface="Calibri" panose="020F0502020204030204" pitchFamily="34" charset="0"/>
-              </a:rPr>
-              <a:t>Camille :</a:t>
-            </a:r>
-            <a:endParaRPr lang="fr-FR" sz="1200" b="0" dirty="0">
-              <a:effectLst/>
-            </a:endParaRPr>
-          </a:p>
-          <a:p>
-            <a:pPr marL="0" indent="0" rtl="0">
-              <a:spcBef>
-                <a:spcPts val="0"/>
-              </a:spcBef>
-              <a:spcAft>
-                <a:spcPts val="800"/>
-              </a:spcAft>
-              <a:buNone/>
-            </a:pPr>
-            <a:r>
-              <a:rPr lang="fr-FR" sz="1200" b="0" i="0" u="none" strike="noStrike" dirty="0">
-                <a:solidFill>
-                  <a:srgbClr val="000000"/>
-                </a:solidFill>
-                <a:effectLst/>
-                <a:latin typeface="Calibri" panose="020F0502020204030204" pitchFamily="34" charset="0"/>
-              </a:rPr>
-              <a:t>Ours en peluche (modélisation + animation) + effet feu + chat (modélisation/sculpture + animation + </a:t>
-            </a:r>
-            <a:r>
-              <a:rPr lang="fr-FR" sz="1200" b="0" i="0" u="none" strike="noStrike" dirty="0" err="1">
-                <a:solidFill>
-                  <a:srgbClr val="000000"/>
-                </a:solidFill>
-                <a:effectLst/>
-                <a:latin typeface="Calibri" panose="020F0502020204030204" pitchFamily="34" charset="0"/>
-              </a:rPr>
-              <a:t>posing</a:t>
-            </a:r>
-            <a:r>
-              <a:rPr lang="fr-FR" sz="1200" b="0" i="0" u="none" strike="noStrike" dirty="0">
-                <a:solidFill>
-                  <a:srgbClr val="000000"/>
-                </a:solidFill>
-                <a:effectLst/>
-                <a:latin typeface="Calibri" panose="020F0502020204030204" pitchFamily="34" charset="0"/>
-              </a:rPr>
-              <a:t>) + verre à vin (modélisation + animation) + plante succulente (modélisation + animation) + mug (modélisation + animation) + (guitare)</a:t>
-            </a:r>
-          </a:p>
-          <a:p>
-            <a:pPr marL="0" indent="0" rtl="0">
-              <a:spcBef>
-                <a:spcPts val="0"/>
-              </a:spcBef>
-              <a:spcAft>
-                <a:spcPts val="800"/>
-              </a:spcAft>
-              <a:buNone/>
-            </a:pPr>
-            <a:endParaRPr lang="fr-FR" sz="1200" b="0" dirty="0">
-              <a:effectLst/>
-            </a:endParaRPr>
-          </a:p>
-          <a:p>
-            <a:pPr rtl="0">
-              <a:spcBef>
-                <a:spcPts val="0"/>
-              </a:spcBef>
-              <a:spcAft>
-                <a:spcPts val="800"/>
-              </a:spcAft>
-            </a:pPr>
-            <a:r>
-              <a:rPr lang="fr-FR" sz="1200" b="1" i="0" u="sng" dirty="0">
-                <a:solidFill>
-                  <a:srgbClr val="000000"/>
-                </a:solidFill>
-                <a:effectLst/>
-                <a:latin typeface="Calibri" panose="020F0502020204030204" pitchFamily="34" charset="0"/>
-              </a:rPr>
-              <a:t>Wassim :</a:t>
-            </a:r>
-            <a:endParaRPr lang="fr-FR" sz="1200" b="0" dirty="0">
-              <a:effectLst/>
-            </a:endParaRPr>
-          </a:p>
-          <a:p>
-            <a:pPr marL="0" indent="0" rtl="0">
-              <a:spcBef>
-                <a:spcPts val="0"/>
-              </a:spcBef>
-              <a:spcAft>
-                <a:spcPts val="800"/>
-              </a:spcAft>
-              <a:buNone/>
-            </a:pPr>
-            <a:r>
-              <a:rPr lang="fr-FR" sz="1200" b="0" i="0" u="none" strike="noStrike" dirty="0">
-                <a:solidFill>
-                  <a:srgbClr val="000000"/>
-                </a:solidFill>
-                <a:effectLst/>
-                <a:latin typeface="Calibri" panose="020F0502020204030204" pitchFamily="34" charset="0"/>
-              </a:rPr>
               <a:t>Lampe </a:t>
             </a:r>
             <a:r>
-              <a:rPr lang="fr-FR" sz="1200" b="0" i="0" u="none" strike="noStrike" dirty="0" err="1">
-                <a:solidFill>
-                  <a:srgbClr val="000000"/>
-                </a:solidFill>
-                <a:effectLst/>
-                <a:latin typeface="Calibri" panose="020F0502020204030204" pitchFamily="34" charset="0"/>
-              </a:rPr>
-              <a:t>pixar</a:t>
-            </a:r>
-            <a:r>
-              <a:rPr lang="fr-FR" sz="1200" b="0" i="0" u="none" strike="noStrike" dirty="0">
-                <a:solidFill>
-                  <a:srgbClr val="000000"/>
-                </a:solidFill>
-                <a:effectLst/>
-                <a:latin typeface="Calibri" panose="020F0502020204030204" pitchFamily="34" charset="0"/>
-              </a:rPr>
-              <a:t> (modélisation + animation) + deuxième lampe + coupelles (modélisation + animation) + occlusion </a:t>
-            </a:r>
-            <a:r>
-              <a:rPr lang="fr-FR" sz="1200" b="0" i="0" u="none" strike="noStrike" dirty="0" err="1">
-                <a:solidFill>
-                  <a:srgbClr val="000000"/>
-                </a:solidFill>
-                <a:effectLst/>
-                <a:latin typeface="Calibri" panose="020F0502020204030204" pitchFamily="34" charset="0"/>
-              </a:rPr>
+              <a:rPr lang="fr-FR" dirty="0" err="1"/>
               <a:t>Pixie</a:t>
             </a:r>
-            <a:r>
-              <a:rPr lang="fr-FR" sz="1200" b="0" i="0" u="none" strike="noStrike" dirty="0">
-                <a:solidFill>
-                  <a:srgbClr val="000000"/>
-                </a:solidFill>
-                <a:effectLst/>
-                <a:latin typeface="Calibri" panose="020F0502020204030204" pitchFamily="34" charset="0"/>
-              </a:rPr>
-              <a:t> derrière la table basse</a:t>
-            </a:r>
-          </a:p>
-          <a:p>
-            <a:pPr marL="0" indent="0" rtl="0">
-              <a:spcBef>
-                <a:spcPts val="0"/>
-              </a:spcBef>
-              <a:spcAft>
-                <a:spcPts val="800"/>
-              </a:spcAft>
-              <a:buNone/>
-            </a:pPr>
-            <a:endParaRPr lang="fr-FR" sz="1200" b="0" dirty="0">
-              <a:effectLst/>
-            </a:endParaRPr>
-          </a:p>
-          <a:p>
-            <a:pPr rtl="0">
-              <a:spcBef>
-                <a:spcPts val="0"/>
-              </a:spcBef>
-              <a:spcAft>
-                <a:spcPts val="800"/>
-              </a:spcAft>
-            </a:pPr>
-            <a:r>
-              <a:rPr lang="fr-FR" sz="1200" b="1" i="0" u="sng" dirty="0">
-                <a:solidFill>
-                  <a:srgbClr val="000000"/>
-                </a:solidFill>
-                <a:effectLst/>
-                <a:latin typeface="Calibri" panose="020F0502020204030204" pitchFamily="34" charset="0"/>
-              </a:rPr>
-              <a:t>Jojo :</a:t>
-            </a:r>
-            <a:endParaRPr lang="fr-FR" sz="1200" b="0" dirty="0">
-              <a:effectLst/>
-            </a:endParaRPr>
-          </a:p>
-          <a:p>
-            <a:pPr marL="0" indent="0" rtl="0">
-              <a:spcBef>
-                <a:spcPts val="0"/>
-              </a:spcBef>
-              <a:spcAft>
-                <a:spcPts val="800"/>
-              </a:spcAft>
-              <a:buNone/>
-            </a:pPr>
-            <a:r>
-              <a:rPr lang="fr-FR" sz="1200" b="0" i="0" u="none" strike="noStrike" dirty="0">
-                <a:solidFill>
-                  <a:srgbClr val="000000"/>
-                </a:solidFill>
-                <a:effectLst/>
-                <a:latin typeface="Calibri" panose="020F0502020204030204" pitchFamily="34" charset="0"/>
-              </a:rPr>
-              <a:t>Barre de pôle dance + animation barre de pôle dance + animations pour lampe méchante (rire, partir, taper…)</a:t>
-            </a:r>
-          </a:p>
-          <a:p>
-            <a:pPr marL="0" indent="0" rtl="0">
-              <a:spcBef>
-                <a:spcPts val="0"/>
-              </a:spcBef>
-              <a:spcAft>
-                <a:spcPts val="800"/>
-              </a:spcAft>
-              <a:buNone/>
-            </a:pPr>
-            <a:endParaRPr lang="fr-FR" sz="1200" b="0" dirty="0">
-              <a:effectLst/>
-            </a:endParaRPr>
-          </a:p>
-          <a:p>
-            <a:pPr rtl="0">
-              <a:spcBef>
-                <a:spcPts val="0"/>
-              </a:spcBef>
-              <a:spcAft>
-                <a:spcPts val="800"/>
-              </a:spcAft>
-            </a:pPr>
-            <a:r>
-              <a:rPr lang="fr-FR" sz="1200" b="1" i="0" u="sng" dirty="0">
-                <a:solidFill>
-                  <a:srgbClr val="000000"/>
-                </a:solidFill>
-                <a:effectLst/>
-                <a:latin typeface="Calibri" panose="020F0502020204030204" pitchFamily="34" charset="0"/>
-              </a:rPr>
-              <a:t>Matthieu :</a:t>
-            </a:r>
-            <a:r>
-              <a:rPr lang="fr-FR" sz="1200" b="0" i="0" u="none" strike="noStrike" dirty="0">
-                <a:solidFill>
-                  <a:srgbClr val="000000"/>
-                </a:solidFill>
-                <a:effectLst/>
-                <a:latin typeface="Calibri" panose="020F0502020204030204" pitchFamily="34" charset="0"/>
-              </a:rPr>
-              <a:t> </a:t>
-            </a:r>
-            <a:endParaRPr lang="fr-FR" sz="1200" b="0" dirty="0">
-              <a:effectLst/>
-            </a:endParaRPr>
-          </a:p>
-          <a:p>
-            <a:pPr marL="0" indent="0" rtl="0">
-              <a:spcBef>
-                <a:spcPts val="0"/>
-              </a:spcBef>
-              <a:spcAft>
-                <a:spcPts val="800"/>
-              </a:spcAft>
-              <a:buNone/>
-            </a:pPr>
-            <a:r>
-              <a:rPr lang="fr-FR" sz="1200" b="0" i="0" u="none" strike="noStrike" dirty="0">
-                <a:solidFill>
-                  <a:srgbClr val="000000"/>
-                </a:solidFill>
-                <a:effectLst/>
-                <a:latin typeface="Calibri" panose="020F0502020204030204" pitchFamily="34" charset="0"/>
-              </a:rPr>
-              <a:t>Montage vidéo + verre + </a:t>
-            </a:r>
-            <a:r>
-              <a:rPr lang="fr-FR" sz="1200" b="0" i="0" u="none" strike="noStrike" dirty="0" err="1">
-                <a:solidFill>
-                  <a:srgbClr val="000000"/>
-                </a:solidFill>
-                <a:effectLst/>
-                <a:latin typeface="Calibri" panose="020F0502020204030204" pitchFamily="34" charset="0"/>
-              </a:rPr>
-              <a:t>track</a:t>
-            </a:r>
-            <a:r>
-              <a:rPr lang="fr-FR" sz="1200" b="0" i="0" u="none" strike="noStrike" dirty="0">
-                <a:solidFill>
-                  <a:srgbClr val="000000"/>
-                </a:solidFill>
-                <a:effectLst/>
-                <a:latin typeface="Calibri" panose="020F0502020204030204" pitchFamily="34" charset="0"/>
-              </a:rPr>
-              <a:t> to réveil + intégration des modélisations + verre</a:t>
-            </a:r>
-          </a:p>
-          <a:p>
-            <a:pPr marL="0" indent="0" rtl="0">
-              <a:spcBef>
-                <a:spcPts val="0"/>
-              </a:spcBef>
-              <a:spcAft>
-                <a:spcPts val="800"/>
-              </a:spcAft>
-              <a:buNone/>
-            </a:pPr>
-            <a:endParaRPr lang="fr-FR" sz="1200" b="0" dirty="0">
-              <a:effectLst/>
-            </a:endParaRPr>
-          </a:p>
-          <a:p>
-            <a:pPr rtl="0">
-              <a:spcBef>
-                <a:spcPts val="0"/>
-              </a:spcBef>
-              <a:spcAft>
-                <a:spcPts val="800"/>
-              </a:spcAft>
-            </a:pPr>
-            <a:r>
-              <a:rPr lang="fr-FR" sz="1200" b="1" i="0" u="sng" dirty="0">
-                <a:solidFill>
-                  <a:srgbClr val="000000"/>
-                </a:solidFill>
-                <a:effectLst/>
-                <a:latin typeface="Calibri" panose="020F0502020204030204" pitchFamily="34" charset="0"/>
-              </a:rPr>
-              <a:t>Yann :</a:t>
-            </a:r>
-            <a:endParaRPr lang="fr-FR" sz="1200" b="0" dirty="0">
-              <a:effectLst/>
-            </a:endParaRPr>
-          </a:p>
-          <a:p>
-            <a:pPr marL="0" indent="0" rtl="0">
-              <a:spcBef>
-                <a:spcPts val="0"/>
-              </a:spcBef>
-              <a:spcAft>
-                <a:spcPts val="800"/>
-              </a:spcAft>
-              <a:buNone/>
-            </a:pPr>
-            <a:r>
-              <a:rPr lang="fr-FR" sz="1200" b="0" i="0" u="none" strike="noStrike" dirty="0">
-                <a:solidFill>
-                  <a:srgbClr val="000000"/>
-                </a:solidFill>
-                <a:effectLst/>
-                <a:latin typeface="Calibri" panose="020F0502020204030204" pitchFamily="34" charset="0"/>
-              </a:rPr>
-              <a:t>Côté ingé son SFX + textures + intégration des modélisations</a:t>
-            </a:r>
-          </a:p>
-          <a:p>
-            <a:pPr marL="0" indent="0" rtl="0">
-              <a:spcBef>
-                <a:spcPts val="0"/>
-              </a:spcBef>
-              <a:spcAft>
-                <a:spcPts val="800"/>
-              </a:spcAft>
-              <a:buNone/>
-            </a:pPr>
-            <a:endParaRPr lang="fr-FR" sz="1200" b="0" dirty="0">
-              <a:effectLst/>
-            </a:endParaRPr>
-          </a:p>
-          <a:p>
-            <a:pPr rtl="0">
-              <a:spcBef>
-                <a:spcPts val="0"/>
-              </a:spcBef>
-              <a:spcAft>
-                <a:spcPts val="800"/>
-              </a:spcAft>
-            </a:pPr>
-            <a:r>
-              <a:rPr lang="fr-FR" sz="1200" b="1" i="0" u="sng" dirty="0">
-                <a:solidFill>
-                  <a:srgbClr val="000000"/>
-                </a:solidFill>
-                <a:effectLst/>
-                <a:latin typeface="Calibri" panose="020F0502020204030204" pitchFamily="34" charset="0"/>
-              </a:rPr>
-              <a:t>Clément :</a:t>
-            </a:r>
-            <a:endParaRPr lang="fr-FR" sz="1200" b="0" dirty="0">
-              <a:effectLst/>
-            </a:endParaRPr>
-          </a:p>
-          <a:p>
-            <a:pPr marL="0" indent="0" rtl="0">
-              <a:spcBef>
-                <a:spcPts val="0"/>
-              </a:spcBef>
-              <a:spcAft>
-                <a:spcPts val="800"/>
-              </a:spcAft>
-              <a:buNone/>
-            </a:pPr>
-            <a:r>
-              <a:rPr lang="fr-FR" sz="1200" b="0" i="0" u="none" strike="noStrike" dirty="0">
-                <a:solidFill>
-                  <a:srgbClr val="000000"/>
-                </a:solidFill>
-                <a:effectLst/>
-                <a:latin typeface="Calibri" panose="020F0502020204030204" pitchFamily="34" charset="0"/>
-              </a:rPr>
-              <a:t>Tabouret (modélisation) + bougie (modélisation + animation flamme) + livre (modélisation + animation) + réveil (modélisation + ajout yeux)</a:t>
-            </a:r>
-            <a:endParaRPr lang="fr-FR" sz="1200" b="0" dirty="0">
-              <a:effectLst/>
-            </a:endParaRPr>
-          </a:p>
-          <a:p>
-            <a:pPr marL="0" indent="0">
-              <a:buNone/>
-            </a:pPr>
-            <a:br>
-              <a:rPr lang="fr-FR" sz="1200" b="0" dirty="0">
-                <a:effectLst/>
-              </a:rPr>
-            </a:br>
-            <a:endParaRPr lang="fr-FR" sz="1200" dirty="0"/>
+            <a:endParaRPr lang="fr-FR" dirty="0"/>
+          </a:p>
+          <a:p>
+            <a:r>
+              <a:rPr lang="fr-FR" dirty="0"/>
+              <a:t>Réveil</a:t>
+            </a:r>
+          </a:p>
+          <a:p>
+            <a:r>
+              <a:rPr lang="fr-FR" dirty="0"/>
+              <a:t>Livre</a:t>
+            </a:r>
+          </a:p>
+          <a:p>
+            <a:r>
+              <a:rPr lang="fr-FR" dirty="0"/>
+              <a:t>Plante « succulente »</a:t>
+            </a:r>
+          </a:p>
+          <a:p>
+            <a:r>
+              <a:rPr lang="fr-FR" dirty="0"/>
+              <a:t>Chat</a:t>
+            </a:r>
+          </a:p>
+          <a:p>
+            <a:r>
+              <a:rPr lang="fr-FR" dirty="0"/>
+              <a:t>Effet feu</a:t>
+            </a:r>
+          </a:p>
+          <a:p>
+            <a:r>
+              <a:rPr lang="fr-FR" dirty="0"/>
+              <a:t>Ours</a:t>
+            </a:r>
+          </a:p>
+          <a:p>
+            <a:r>
+              <a:rPr lang="fr-FR" dirty="0"/>
+              <a:t>Verre à vin</a:t>
+            </a:r>
+          </a:p>
+          <a:p>
+            <a:r>
+              <a:rPr lang="fr-FR" dirty="0"/>
+              <a:t>Mug</a:t>
+            </a:r>
+          </a:p>
+          <a:p>
+            <a:r>
+              <a:rPr lang="fr-FR" dirty="0"/>
+              <a:t>Tabouret</a:t>
+            </a:r>
+          </a:p>
+          <a:p>
+            <a:r>
+              <a:rPr lang="fr-FR" dirty="0"/>
+              <a:t>Bougie</a:t>
+            </a:r>
           </a:p>
         </p:txBody>
       </p:sp>
     </p:spTree>
     <p:extLst>
       <p:ext uri="{BB962C8B-B14F-4D97-AF65-F5344CB8AC3E}">
-        <p14:creationId xmlns:p14="http://schemas.microsoft.com/office/powerpoint/2010/main" val="2220872864"/>
+        <p14:creationId xmlns:p14="http://schemas.microsoft.com/office/powerpoint/2010/main" val="4288119460"/>
       </p:ext>
     </p:extLst>
   </p:cSld>

--- a/Projet L3 Informatique_powerpointPrésentation (paslefinaljustecontenu).pptx
+++ b/Projet L3 Informatique_powerpointPrésentation (paslefinaljustecontenu).pptx
@@ -3634,7 +3634,25 @@
                 </a:solidFill>
                 <a:effectLst/>
               </a:rPr>
-              <a:t>Yann TROU (responsable qualité)</a:t>
+              <a:t>Jonathan MARTIN-MAESTRE (responsable qualité)</a:t>
+            </a:r>
+          </a:p>
+          <a:p>
+            <a:pPr marL="342900" indent="-342900" algn="l">
+              <a:buFont typeface="Arial" panose="020B0604020202020204" pitchFamily="34" charset="0"/>
+              <a:buChar char="•"/>
+            </a:pPr>
+            <a:r>
+              <a:rPr lang="fr-FR" b="0" i="0" dirty="0">
+                <a:solidFill>
+                  <a:schemeClr val="tx1">
+                    <a:lumMod val="95000"/>
+                    <a:lumOff val="5000"/>
+                  </a:schemeClr>
+                </a:solidFill>
+                <a:effectLst/>
+              </a:rPr>
+              <a:t>Yann TROU</a:t>
             </a:r>
           </a:p>
           <a:p>
@@ -3690,32 +3708,6 @@
               </a:rPr>
               <a:t>Matthieu JOULAIN</a:t>
             </a:r>
-          </a:p>
-          <a:p>
-            <a:pPr marL="342900" indent="-342900" algn="l">
-              <a:buFont typeface="Arial" panose="020B0604020202020204" pitchFamily="34" charset="0"/>
-              <a:buChar char="•"/>
-            </a:pPr>
-            <a:r>
-              <a:rPr lang="fr-FR" b="0" i="0" dirty="0">
-                <a:solidFill>
-                  <a:schemeClr val="tx1">
-                    <a:lumMod val="95000"/>
-                    <a:lumOff val="5000"/>
-                  </a:schemeClr>
-                </a:solidFill>
-                <a:effectLst/>
-              </a:rPr>
-              <a:t>Jonathan MARTIN-MAESTRE</a:t>
-            </a:r>
-            <a:endParaRPr lang="fr-FR" dirty="0">
-              <a:solidFill>
-                <a:schemeClr val="tx1">
-                  <a:lumMod val="95000"/>
-                  <a:lumOff val="5000"/>
-                </a:schemeClr>
-              </a:solidFill>
-            </a:endParaRPr>
           </a:p>
         </p:txBody>
       </p:sp>
@@ -3801,7 +3793,7 @@
         </p:spPr>
         <p:txBody>
           <a:bodyPr>
-            <a:normAutofit fontScale="92500" lnSpcReduction="20000"/>
+            <a:normAutofit fontScale="85000" lnSpcReduction="20000"/>
           </a:bodyPr>
           <a:lstStyle/>
           <a:p>
@@ -3817,6 +3809,17 @@
               <a:rPr lang="fr-FR" dirty="0"/>
               <a:t> (+ squelette)</a:t>
             </a:r>
+          </a:p>
+          <a:p>
+            <a:r>
+              <a:rPr lang="fr-FR" dirty="0"/>
+              <a:t>Lampe maléfique </a:t>
+            </a:r>
+            <a:r>
+              <a:rPr lang="fr-FR"/>
+              <a:t>(+ squelette)</a:t>
+            </a:r>
+            <a:endParaRPr lang="fr-FR" dirty="0"/>
           </a:p>
           <a:p>
             <a:r>
@@ -6033,7 +6036,7 @@
         </p:spPr>
         <p:txBody>
           <a:bodyPr>
-            <a:normAutofit fontScale="92500" lnSpcReduction="20000"/>
+            <a:normAutofit fontScale="85000" lnSpcReduction="20000"/>
           </a:bodyPr>
           <a:lstStyle/>
           <a:p>
@@ -6046,6 +6049,12 @@
               <a:t>Pixie</a:t>
             </a:r>
             <a:endParaRPr lang="fr-FR" dirty="0"/>
+          </a:p>
+          <a:p>
+            <a:r>
+              <a:rPr lang="fr-FR" dirty="0"/>
+              <a:t>Lampe maléfique.</a:t>
+            </a:r>
           </a:p>
           <a:p>
             <a:r>
